--- a/01_FoundationProjects/06_Car-1_PitAvoidance_Using_IR/06_Car-1_PitAvoidance_Using_IR.pptx
+++ b/01_FoundationProjects/06_Car-1_PitAvoidance_Using_IR/06_Car-1_PitAvoidance_Using_IR.pptx
@@ -157,7 +157,7 @@
       </p:grpSpPr>
       <p:sp>
         <p:nvSpPr>
-          <p:cNvPr id="295750878" name="Header Placeholder 1"/>
+          <p:cNvPr id="1396892844" name="Header Placeholder 1"/>
           <p:cNvSpPr>
             <a:spLocks noGrp="1"/>
           </p:cNvSpPr>
@@ -191,7 +191,7 @@
       </p:sp>
       <p:sp>
         <p:nvSpPr>
-          <p:cNvPr id="318329954" name="Date Placeholder 2"/>
+          <p:cNvPr id="768331369" name="Date Placeholder 2"/>
           <p:cNvSpPr>
             <a:spLocks noGrp="1"/>
           </p:cNvSpPr>
@@ -225,7 +225,7 @@
       </p:sp>
       <p:sp>
         <p:nvSpPr>
-          <p:cNvPr id="1680953164" name="Date Placeholder 2"/>
+          <p:cNvPr id="752655276" name="Date Placeholder 2"/>
           <p:cNvSpPr>
             <a:spLocks noGrp="1"/>
           </p:cNvSpPr>
@@ -259,7 +259,7 @@
       </p:sp>
       <p:sp>
         <p:nvSpPr>
-          <p:cNvPr id="453181230" name="Notes Placeholder 4"/>
+          <p:cNvPr id="130265830" name="Notes Placeholder 4"/>
           <p:cNvSpPr>
             <a:spLocks noGrp="1"/>
           </p:cNvSpPr>
@@ -289,7 +289,7 @@
       </p:sp>
       <p:sp>
         <p:nvSpPr>
-          <p:cNvPr id="875803364" name="Footer Placeholder 5"/>
+          <p:cNvPr id="2145178452" name="Footer Placeholder 5"/>
           <p:cNvSpPr>
             <a:spLocks noGrp="1"/>
           </p:cNvSpPr>
@@ -323,7 +323,7 @@
       </p:sp>
       <p:sp>
         <p:nvSpPr>
-          <p:cNvPr id="1808959280" name="Slide Number Placeholder 6"/>
+          <p:cNvPr id="1340534721" name="Slide Number Placeholder 6"/>
           <p:cNvSpPr>
             <a:spLocks noGrp="1"/>
           </p:cNvSpPr>
@@ -472,7 +472,7 @@
       </p:grpSpPr>
       <p:sp>
         <p:nvSpPr>
-          <p:cNvPr id="1579615584" name="Slide Image Placeholder 1"/>
+          <p:cNvPr id="1711965251" name="Slide Image Placeholder 1"/>
           <p:cNvSpPr>
             <a:spLocks noChangeAspect="1" noGrp="1" noRot="1"/>
           </p:cNvSpPr>
@@ -484,7 +484,7 @@
       </p:sp>
       <p:sp>
         <p:nvSpPr>
-          <p:cNvPr id="852430106" name="Notes Placeholder 2"/>
+          <p:cNvPr id="426981569" name="Notes Placeholder 2"/>
           <p:cNvSpPr>
             <a:spLocks noGrp="1"/>
           </p:cNvSpPr>
@@ -506,7 +506,7 @@
       </p:sp>
       <p:sp>
         <p:nvSpPr>
-          <p:cNvPr id="116257051" name="Slide Number Placeholder 3"/>
+          <p:cNvPr id="567853103" name="Slide Number Placeholder 3"/>
           <p:cNvSpPr>
             <a:spLocks noGrp="1"/>
           </p:cNvSpPr>
@@ -554,7 +554,7 @@
       </p:grpSpPr>
       <p:sp>
         <p:nvSpPr>
-          <p:cNvPr id="1453706100" name="Slide Image Placeholder 1"/>
+          <p:cNvPr id="1200460753" name="Slide Image Placeholder 1"/>
           <p:cNvSpPr>
             <a:spLocks noChangeAspect="1" noGrp="1" noRot="1"/>
           </p:cNvSpPr>
@@ -566,7 +566,7 @@
       </p:sp>
       <p:sp>
         <p:nvSpPr>
-          <p:cNvPr id="1454646049" name="Notes Placeholder 2"/>
+          <p:cNvPr id="1736801972" name="Notes Placeholder 2"/>
           <p:cNvSpPr>
             <a:spLocks noGrp="1"/>
           </p:cNvSpPr>
@@ -588,7 +588,7 @@
       </p:sp>
       <p:sp>
         <p:nvSpPr>
-          <p:cNvPr id="534055839" name="Slide Number Placeholder 3"/>
+          <p:cNvPr id="860687467" name="Slide Number Placeholder 3"/>
           <p:cNvSpPr>
             <a:spLocks noGrp="1"/>
           </p:cNvSpPr>
@@ -636,7 +636,7 @@
       </p:grpSpPr>
       <p:sp>
         <p:nvSpPr>
-          <p:cNvPr id="589673462" name="Slide Image Placeholder 1"/>
+          <p:cNvPr id="1398836264" name="Slide Image Placeholder 1"/>
           <p:cNvSpPr>
             <a:spLocks noChangeAspect="1" noGrp="1" noRot="1"/>
           </p:cNvSpPr>
@@ -648,7 +648,7 @@
       </p:sp>
       <p:sp>
         <p:nvSpPr>
-          <p:cNvPr id="1007401938" name="Notes Placeholder 2"/>
+          <p:cNvPr id="1378207624" name="Notes Placeholder 2"/>
           <p:cNvSpPr>
             <a:spLocks noGrp="1"/>
           </p:cNvSpPr>
@@ -670,7 +670,7 @@
       </p:sp>
       <p:sp>
         <p:nvSpPr>
-          <p:cNvPr id="344660745" name="Slide Number Placeholder 3"/>
+          <p:cNvPr id="901649085" name="Slide Number Placeholder 3"/>
           <p:cNvSpPr>
             <a:spLocks noGrp="1"/>
           </p:cNvSpPr>
@@ -718,7 +718,7 @@
       </p:grpSpPr>
       <p:sp>
         <p:nvSpPr>
-          <p:cNvPr id="1517438783" name="Slide Image Placeholder 1"/>
+          <p:cNvPr id="430350832" name="Slide Image Placeholder 1"/>
           <p:cNvSpPr>
             <a:spLocks noChangeAspect="1" noGrp="1" noRot="1"/>
           </p:cNvSpPr>
@@ -730,7 +730,7 @@
       </p:sp>
       <p:sp>
         <p:nvSpPr>
-          <p:cNvPr id="553408072" name="Notes Placeholder 2"/>
+          <p:cNvPr id="166936984" name="Notes Placeholder 2"/>
           <p:cNvSpPr>
             <a:spLocks noGrp="1"/>
           </p:cNvSpPr>
@@ -752,7 +752,7 @@
       </p:sp>
       <p:sp>
         <p:nvSpPr>
-          <p:cNvPr id="2134240797" name="Slide Number Placeholder 3"/>
+          <p:cNvPr id="73179984" name="Slide Number Placeholder 3"/>
           <p:cNvSpPr>
             <a:spLocks noGrp="1"/>
           </p:cNvSpPr>
@@ -800,7 +800,7 @@
       </p:grpSpPr>
       <p:sp>
         <p:nvSpPr>
-          <p:cNvPr id="241620751" name="Slide Image Placeholder 1"/>
+          <p:cNvPr id="232966662" name="Slide Image Placeholder 1"/>
           <p:cNvSpPr>
             <a:spLocks noChangeAspect="1" noGrp="1" noRot="1"/>
           </p:cNvSpPr>
@@ -812,7 +812,7 @@
       </p:sp>
       <p:sp>
         <p:nvSpPr>
-          <p:cNvPr id="292374895" name="Notes Placeholder 2"/>
+          <p:cNvPr id="594542424" name="Notes Placeholder 2"/>
           <p:cNvSpPr>
             <a:spLocks noGrp="1"/>
           </p:cNvSpPr>
@@ -834,7 +834,7 @@
       </p:sp>
       <p:sp>
         <p:nvSpPr>
-          <p:cNvPr id="556600368" name="Slide Number Placeholder 3"/>
+          <p:cNvPr id="819358537" name="Slide Number Placeholder 3"/>
           <p:cNvSpPr>
             <a:spLocks noGrp="1"/>
           </p:cNvSpPr>
@@ -882,7 +882,7 @@
       </p:grpSpPr>
       <p:sp>
         <p:nvSpPr>
-          <p:cNvPr id="1858086594" name="Slide Image Placeholder 1"/>
+          <p:cNvPr id="1387637108" name="Slide Image Placeholder 1"/>
           <p:cNvSpPr>
             <a:spLocks noChangeAspect="1" noGrp="1" noRot="1"/>
           </p:cNvSpPr>
@@ -894,7 +894,7 @@
       </p:sp>
       <p:sp>
         <p:nvSpPr>
-          <p:cNvPr id="440605498" name="Notes Placeholder 2"/>
+          <p:cNvPr id="468079270" name="Notes Placeholder 2"/>
           <p:cNvSpPr>
             <a:spLocks noGrp="1"/>
           </p:cNvSpPr>
@@ -916,7 +916,7 @@
       </p:sp>
       <p:sp>
         <p:nvSpPr>
-          <p:cNvPr id="1220147523" name="Slide Number Placeholder 3"/>
+          <p:cNvPr id="843803643" name="Slide Number Placeholder 3"/>
           <p:cNvSpPr>
             <a:spLocks noGrp="1"/>
           </p:cNvSpPr>
@@ -964,7 +964,7 @@
       </p:grpSpPr>
       <p:sp>
         <p:nvSpPr>
-          <p:cNvPr id="2101436039" name="Slide Image Placeholder 1"/>
+          <p:cNvPr id="1526794976" name="Slide Image Placeholder 1"/>
           <p:cNvSpPr>
             <a:spLocks noChangeAspect="1" noGrp="1" noRot="1"/>
           </p:cNvSpPr>
@@ -976,7 +976,7 @@
       </p:sp>
       <p:sp>
         <p:nvSpPr>
-          <p:cNvPr id="804854288" name="Notes Placeholder 2"/>
+          <p:cNvPr id="6595644" name="Notes Placeholder 2"/>
           <p:cNvSpPr>
             <a:spLocks noGrp="1"/>
           </p:cNvSpPr>
@@ -998,7 +998,7 @@
       </p:sp>
       <p:sp>
         <p:nvSpPr>
-          <p:cNvPr id="1484129644" name="Slide Number Placeholder 3"/>
+          <p:cNvPr id="97376279" name="Slide Number Placeholder 3"/>
           <p:cNvSpPr>
             <a:spLocks noGrp="1"/>
           </p:cNvSpPr>
@@ -1046,7 +1046,7 @@
       </p:grpSpPr>
       <p:sp>
         <p:nvSpPr>
-          <p:cNvPr id="211889204" name="Slide Image Placeholder 1"/>
+          <p:cNvPr id="701477750" name="Slide Image Placeholder 1"/>
           <p:cNvSpPr>
             <a:spLocks noChangeAspect="1" noGrp="1" noRot="1"/>
           </p:cNvSpPr>
@@ -1058,7 +1058,7 @@
       </p:sp>
       <p:sp>
         <p:nvSpPr>
-          <p:cNvPr id="1505820068" name="Notes Placeholder 2"/>
+          <p:cNvPr id="1199478526" name="Notes Placeholder 2"/>
           <p:cNvSpPr>
             <a:spLocks noGrp="1"/>
           </p:cNvSpPr>
@@ -1080,7 +1080,7 @@
       </p:sp>
       <p:sp>
         <p:nvSpPr>
-          <p:cNvPr id="2087880506" name="Slide Number Placeholder 3"/>
+          <p:cNvPr id="1106817311" name="Slide Number Placeholder 3"/>
           <p:cNvSpPr>
             <a:spLocks noGrp="1"/>
           </p:cNvSpPr>
@@ -1128,7 +1128,7 @@
       </p:grpSpPr>
       <p:sp>
         <p:nvSpPr>
-          <p:cNvPr id="1383659377" name="Slide Image Placeholder 1"/>
+          <p:cNvPr id="31257389" name="Slide Image Placeholder 1"/>
           <p:cNvSpPr>
             <a:spLocks noChangeAspect="1" noGrp="1" noRot="1"/>
           </p:cNvSpPr>
@@ -1140,7 +1140,7 @@
       </p:sp>
       <p:sp>
         <p:nvSpPr>
-          <p:cNvPr id="1925957570" name="Notes Placeholder 2"/>
+          <p:cNvPr id="278843249" name="Notes Placeholder 2"/>
           <p:cNvSpPr>
             <a:spLocks noGrp="1"/>
           </p:cNvSpPr>
@@ -1162,7 +1162,7 @@
       </p:sp>
       <p:sp>
         <p:nvSpPr>
-          <p:cNvPr id="1616024629" name="Slide Number Placeholder 3"/>
+          <p:cNvPr id="1708767300" name="Slide Number Placeholder 3"/>
           <p:cNvSpPr>
             <a:spLocks noGrp="1"/>
           </p:cNvSpPr>
@@ -1210,7 +1210,7 @@
       </p:grpSpPr>
       <p:sp>
         <p:nvSpPr>
-          <p:cNvPr id="1836461853" name="Slide Image Placeholder 1"/>
+          <p:cNvPr id="1095459476" name="Slide Image Placeholder 1"/>
           <p:cNvSpPr>
             <a:spLocks noChangeAspect="1" noGrp="1" noRot="1"/>
           </p:cNvSpPr>
@@ -1222,7 +1222,7 @@
       </p:sp>
       <p:sp>
         <p:nvSpPr>
-          <p:cNvPr id="1121474993" name="Notes Placeholder 2"/>
+          <p:cNvPr id="901243539" name="Notes Placeholder 2"/>
           <p:cNvSpPr>
             <a:spLocks noGrp="1"/>
           </p:cNvSpPr>
@@ -1244,7 +1244,7 @@
       </p:sp>
       <p:sp>
         <p:nvSpPr>
-          <p:cNvPr id="2033043386" name="Slide Number Placeholder 3"/>
+          <p:cNvPr id="1760008992" name="Slide Number Placeholder 3"/>
           <p:cNvSpPr>
             <a:spLocks noGrp="1"/>
           </p:cNvSpPr>
@@ -1292,7 +1292,7 @@
       </p:grpSpPr>
       <p:sp>
         <p:nvSpPr>
-          <p:cNvPr id="2079275954" name="Slide Image Placeholder 1"/>
+          <p:cNvPr id="1108973256" name="Slide Image Placeholder 1"/>
           <p:cNvSpPr>
             <a:spLocks noChangeAspect="1" noGrp="1" noRot="1"/>
           </p:cNvSpPr>
@@ -1304,7 +1304,7 @@
       </p:sp>
       <p:sp>
         <p:nvSpPr>
-          <p:cNvPr id="2016922123" name="Notes Placeholder 2"/>
+          <p:cNvPr id="72200437" name="Notes Placeholder 2"/>
           <p:cNvSpPr>
             <a:spLocks noGrp="1"/>
           </p:cNvSpPr>
@@ -1326,7 +1326,7 @@
       </p:sp>
       <p:sp>
         <p:nvSpPr>
-          <p:cNvPr id="808450902" name="Slide Number Placeholder 3"/>
+          <p:cNvPr id="623069136" name="Slide Number Placeholder 3"/>
           <p:cNvSpPr>
             <a:spLocks noGrp="1"/>
           </p:cNvSpPr>
@@ -1374,7 +1374,7 @@
       </p:grpSpPr>
       <p:sp>
         <p:nvSpPr>
-          <p:cNvPr id="959014810" name="Slide Image Placeholder 1"/>
+          <p:cNvPr id="27622873" name="Slide Image Placeholder 1"/>
           <p:cNvSpPr>
             <a:spLocks noChangeAspect="1" noGrp="1" noRot="1"/>
           </p:cNvSpPr>
@@ -1386,7 +1386,7 @@
       </p:sp>
       <p:sp>
         <p:nvSpPr>
-          <p:cNvPr id="1915961914" name="Notes Placeholder 2"/>
+          <p:cNvPr id="1757182665" name="Notes Placeholder 2"/>
           <p:cNvSpPr>
             <a:spLocks noGrp="1"/>
           </p:cNvSpPr>
@@ -1408,7 +1408,7 @@
       </p:sp>
       <p:sp>
         <p:nvSpPr>
-          <p:cNvPr id="1057817332" name="Slide Number Placeholder 3"/>
+          <p:cNvPr id="563212569" name="Slide Number Placeholder 3"/>
           <p:cNvSpPr>
             <a:spLocks noGrp="1"/>
           </p:cNvSpPr>
@@ -1456,7 +1456,7 @@
       </p:grpSpPr>
       <p:sp>
         <p:nvSpPr>
-          <p:cNvPr id="1834468734" name="Slide Image Placeholder 1"/>
+          <p:cNvPr id="698003568" name="Slide Image Placeholder 1"/>
           <p:cNvSpPr>
             <a:spLocks noChangeAspect="1" noGrp="1" noRot="1"/>
           </p:cNvSpPr>
@@ -1468,7 +1468,7 @@
       </p:sp>
       <p:sp>
         <p:nvSpPr>
-          <p:cNvPr id="312389600" name="Notes Placeholder 2"/>
+          <p:cNvPr id="1393772524" name="Notes Placeholder 2"/>
           <p:cNvSpPr>
             <a:spLocks noGrp="1"/>
           </p:cNvSpPr>
@@ -1490,7 +1490,7 @@
       </p:sp>
       <p:sp>
         <p:nvSpPr>
-          <p:cNvPr id="129100996" name="Slide Number Placeholder 3"/>
+          <p:cNvPr id="285985059" name="Slide Number Placeholder 3"/>
           <p:cNvSpPr>
             <a:spLocks noGrp="1"/>
           </p:cNvSpPr>
@@ -1538,7 +1538,7 @@
       </p:grpSpPr>
       <p:sp>
         <p:nvSpPr>
-          <p:cNvPr id="230340983" name="Slide Image Placeholder 1"/>
+          <p:cNvPr id="495183456" name="Slide Image Placeholder 1"/>
           <p:cNvSpPr>
             <a:spLocks noChangeAspect="1" noGrp="1" noRot="1"/>
           </p:cNvSpPr>
@@ -1550,7 +1550,7 @@
       </p:sp>
       <p:sp>
         <p:nvSpPr>
-          <p:cNvPr id="904366774" name="Notes Placeholder 2"/>
+          <p:cNvPr id="1374500993" name="Notes Placeholder 2"/>
           <p:cNvSpPr>
             <a:spLocks noGrp="1"/>
           </p:cNvSpPr>
@@ -1572,7 +1572,7 @@
       </p:sp>
       <p:sp>
         <p:nvSpPr>
-          <p:cNvPr id="1845583343" name="Slide Number Placeholder 3"/>
+          <p:cNvPr id="2119285966" name="Slide Number Placeholder 3"/>
           <p:cNvSpPr>
             <a:spLocks noGrp="1"/>
           </p:cNvSpPr>
@@ -1620,7 +1620,7 @@
       </p:grpSpPr>
       <p:sp>
         <p:nvSpPr>
-          <p:cNvPr id="1377343189" name="Slide Image Placeholder 1"/>
+          <p:cNvPr id="1683500792" name="Slide Image Placeholder 1"/>
           <p:cNvSpPr>
             <a:spLocks noChangeAspect="1" noGrp="1" noRot="1"/>
           </p:cNvSpPr>
@@ -1632,7 +1632,7 @@
       </p:sp>
       <p:sp>
         <p:nvSpPr>
-          <p:cNvPr id="1578505159" name="Notes Placeholder 2"/>
+          <p:cNvPr id="1741730861" name="Notes Placeholder 2"/>
           <p:cNvSpPr>
             <a:spLocks noGrp="1"/>
           </p:cNvSpPr>
@@ -1654,7 +1654,7 @@
       </p:sp>
       <p:sp>
         <p:nvSpPr>
-          <p:cNvPr id="941437629" name="Slide Number Placeholder 3"/>
+          <p:cNvPr id="389836322" name="Slide Number Placeholder 3"/>
           <p:cNvSpPr>
             <a:spLocks noGrp="1"/>
           </p:cNvSpPr>
@@ -1702,7 +1702,7 @@
       </p:grpSpPr>
       <p:sp>
         <p:nvSpPr>
-          <p:cNvPr id="708454174" name="Slide Image Placeholder 1"/>
+          <p:cNvPr id="694787537" name="Slide Image Placeholder 1"/>
           <p:cNvSpPr>
             <a:spLocks noChangeAspect="1" noGrp="1" noRot="1"/>
           </p:cNvSpPr>
@@ -1714,7 +1714,7 @@
       </p:sp>
       <p:sp>
         <p:nvSpPr>
-          <p:cNvPr id="1604977157" name="Notes Placeholder 2"/>
+          <p:cNvPr id="984957802" name="Notes Placeholder 2"/>
           <p:cNvSpPr>
             <a:spLocks noGrp="1"/>
           </p:cNvSpPr>
@@ -1736,7 +1736,7 @@
       </p:sp>
       <p:sp>
         <p:nvSpPr>
-          <p:cNvPr id="2081736932" name="Slide Number Placeholder 3"/>
+          <p:cNvPr id="1249536303" name="Slide Number Placeholder 3"/>
           <p:cNvSpPr>
             <a:spLocks noGrp="1"/>
           </p:cNvSpPr>
@@ -1784,7 +1784,7 @@
       </p:grpSpPr>
       <p:sp>
         <p:nvSpPr>
-          <p:cNvPr id="2056980914" name="Slide Image Placeholder 1"/>
+          <p:cNvPr id="1545766750" name="Slide Image Placeholder 1"/>
           <p:cNvSpPr>
             <a:spLocks noChangeAspect="1" noGrp="1" noRot="1"/>
           </p:cNvSpPr>
@@ -1796,7 +1796,7 @@
       </p:sp>
       <p:sp>
         <p:nvSpPr>
-          <p:cNvPr id="2026920189" name="Notes Placeholder 2"/>
+          <p:cNvPr id="173293538" name="Notes Placeholder 2"/>
           <p:cNvSpPr>
             <a:spLocks noGrp="1"/>
           </p:cNvSpPr>
@@ -1818,7 +1818,7 @@
       </p:sp>
       <p:sp>
         <p:nvSpPr>
-          <p:cNvPr id="1758153423" name="Slide Number Placeholder 3"/>
+          <p:cNvPr id="1152966134" name="Slide Number Placeholder 3"/>
           <p:cNvSpPr>
             <a:spLocks noGrp="1"/>
           </p:cNvSpPr>
@@ -1866,7 +1866,7 @@
       </p:grpSpPr>
       <p:sp>
         <p:nvSpPr>
-          <p:cNvPr id="432652204" name="Slide Image Placeholder 1"/>
+          <p:cNvPr id="1319685803" name="Slide Image Placeholder 1"/>
           <p:cNvSpPr>
             <a:spLocks noChangeAspect="1" noGrp="1" noRot="1"/>
           </p:cNvSpPr>
@@ -1878,7 +1878,7 @@
       </p:sp>
       <p:sp>
         <p:nvSpPr>
-          <p:cNvPr id="404596839" name="Notes Placeholder 2"/>
+          <p:cNvPr id="1721464988" name="Notes Placeholder 2"/>
           <p:cNvSpPr>
             <a:spLocks noGrp="1"/>
           </p:cNvSpPr>
@@ -1900,7 +1900,7 @@
       </p:sp>
       <p:sp>
         <p:nvSpPr>
-          <p:cNvPr id="14056373" name="Slide Number Placeholder 3"/>
+          <p:cNvPr id="465346998" name="Slide Number Placeholder 3"/>
           <p:cNvSpPr>
             <a:spLocks noGrp="1"/>
           </p:cNvSpPr>
@@ -1948,7 +1948,7 @@
       </p:grpSpPr>
       <p:sp>
         <p:nvSpPr>
-          <p:cNvPr id="1647451394" name="Slide Image Placeholder 1"/>
+          <p:cNvPr id="1990049125" name="Slide Image Placeholder 1"/>
           <p:cNvSpPr>
             <a:spLocks noChangeAspect="1" noGrp="1" noRot="1"/>
           </p:cNvSpPr>
@@ -1960,7 +1960,7 @@
       </p:sp>
       <p:sp>
         <p:nvSpPr>
-          <p:cNvPr id="418016236" name="Notes Placeholder 2"/>
+          <p:cNvPr id="661244215" name="Notes Placeholder 2"/>
           <p:cNvSpPr>
             <a:spLocks noGrp="1"/>
           </p:cNvSpPr>
@@ -1982,7 +1982,7 @@
       </p:sp>
       <p:sp>
         <p:nvSpPr>
-          <p:cNvPr id="1418949815" name="Slide Number Placeholder 3"/>
+          <p:cNvPr id="1404246719" name="Slide Number Placeholder 3"/>
           <p:cNvSpPr>
             <a:spLocks noGrp="1"/>
           </p:cNvSpPr>
@@ -2030,7 +2030,7 @@
       </p:grpSpPr>
       <p:sp>
         <p:nvSpPr>
-          <p:cNvPr id="257304930" name="Slide Image Placeholder 1"/>
+          <p:cNvPr id="354116558" name="Slide Image Placeholder 1"/>
           <p:cNvSpPr>
             <a:spLocks noChangeAspect="1" noGrp="1" noRot="1"/>
           </p:cNvSpPr>
@@ -2042,7 +2042,7 @@
       </p:sp>
       <p:sp>
         <p:nvSpPr>
-          <p:cNvPr id="1608277553" name="Notes Placeholder 2"/>
+          <p:cNvPr id="1701600841" name="Notes Placeholder 2"/>
           <p:cNvSpPr>
             <a:spLocks noGrp="1"/>
           </p:cNvSpPr>
@@ -2064,7 +2064,7 @@
       </p:sp>
       <p:sp>
         <p:nvSpPr>
-          <p:cNvPr id="1877294738" name="Slide Number Placeholder 3"/>
+          <p:cNvPr id="1111559321" name="Slide Number Placeholder 3"/>
           <p:cNvSpPr>
             <a:spLocks noGrp="1"/>
           </p:cNvSpPr>
@@ -2112,7 +2112,7 @@
       </p:grpSpPr>
       <p:sp>
         <p:nvSpPr>
-          <p:cNvPr id="1489312961" name="Slide Image Placeholder 1"/>
+          <p:cNvPr id="67544972" name="Slide Image Placeholder 1"/>
           <p:cNvSpPr>
             <a:spLocks noChangeAspect="1" noGrp="1" noRot="1"/>
           </p:cNvSpPr>
@@ -2124,7 +2124,7 @@
       </p:sp>
       <p:sp>
         <p:nvSpPr>
-          <p:cNvPr id="1989563650" name="Notes Placeholder 2"/>
+          <p:cNvPr id="697494042" name="Notes Placeholder 2"/>
           <p:cNvSpPr>
             <a:spLocks noGrp="1"/>
           </p:cNvSpPr>
@@ -2146,7 +2146,7 @@
       </p:sp>
       <p:sp>
         <p:nvSpPr>
-          <p:cNvPr id="1919629395" name="Slide Number Placeholder 3"/>
+          <p:cNvPr id="267225936" name="Slide Number Placeholder 3"/>
           <p:cNvSpPr>
             <a:spLocks noGrp="1"/>
           </p:cNvSpPr>
@@ -2194,7 +2194,7 @@
       </p:grpSpPr>
       <p:sp>
         <p:nvSpPr>
-          <p:cNvPr id="1096676735" name="Slide Image Placeholder 1"/>
+          <p:cNvPr id="2142708438" name="Slide Image Placeholder 1"/>
           <p:cNvSpPr>
             <a:spLocks noChangeAspect="1" noGrp="1" noRot="1"/>
           </p:cNvSpPr>
@@ -2206,7 +2206,7 @@
       </p:sp>
       <p:sp>
         <p:nvSpPr>
-          <p:cNvPr id="1145468287" name="Notes Placeholder 2"/>
+          <p:cNvPr id="1443319205" name="Notes Placeholder 2"/>
           <p:cNvSpPr>
             <a:spLocks noGrp="1"/>
           </p:cNvSpPr>
@@ -2228,7 +2228,7 @@
       </p:sp>
       <p:sp>
         <p:nvSpPr>
-          <p:cNvPr id="1428923991" name="Slide Number Placeholder 3"/>
+          <p:cNvPr id="577785797" name="Slide Number Placeholder 3"/>
           <p:cNvSpPr>
             <a:spLocks noGrp="1"/>
           </p:cNvSpPr>
@@ -2276,7 +2276,7 @@
       </p:grpSpPr>
       <p:sp>
         <p:nvSpPr>
-          <p:cNvPr id="1293607185" name="Slide Image Placeholder 1"/>
+          <p:cNvPr id="1487715587" name="Slide Image Placeholder 1"/>
           <p:cNvSpPr>
             <a:spLocks noChangeAspect="1" noGrp="1" noRot="1"/>
           </p:cNvSpPr>
@@ -2288,7 +2288,7 @@
       </p:sp>
       <p:sp>
         <p:nvSpPr>
-          <p:cNvPr id="57408093" name="Notes Placeholder 2"/>
+          <p:cNvPr id="1033246437" name="Notes Placeholder 2"/>
           <p:cNvSpPr>
             <a:spLocks noGrp="1"/>
           </p:cNvSpPr>
@@ -2310,7 +2310,7 @@
       </p:sp>
       <p:sp>
         <p:nvSpPr>
-          <p:cNvPr id="886332898" name="Slide Number Placeholder 3"/>
+          <p:cNvPr id="1021900984" name="Slide Number Placeholder 3"/>
           <p:cNvSpPr>
             <a:spLocks noGrp="1"/>
           </p:cNvSpPr>
@@ -2358,7 +2358,7 @@
       </p:grpSpPr>
       <p:sp>
         <p:nvSpPr>
-          <p:cNvPr id="30757451" name="Slide Image Placeholder 1"/>
+          <p:cNvPr id="817119565" name="Slide Image Placeholder 1"/>
           <p:cNvSpPr>
             <a:spLocks noChangeAspect="1" noGrp="1" noRot="1"/>
           </p:cNvSpPr>
@@ -2370,7 +2370,7 @@
       </p:sp>
       <p:sp>
         <p:nvSpPr>
-          <p:cNvPr id="1117606953" name="Notes Placeholder 2"/>
+          <p:cNvPr id="867960235" name="Notes Placeholder 2"/>
           <p:cNvSpPr>
             <a:spLocks noGrp="1"/>
           </p:cNvSpPr>
@@ -2392,7 +2392,7 @@
       </p:sp>
       <p:sp>
         <p:nvSpPr>
-          <p:cNvPr id="244688993" name="Slide Number Placeholder 3"/>
+          <p:cNvPr id="978696406" name="Slide Number Placeholder 3"/>
           <p:cNvSpPr>
             <a:spLocks noGrp="1"/>
           </p:cNvSpPr>
@@ -2440,7 +2440,7 @@
       </p:grpSpPr>
       <p:sp>
         <p:nvSpPr>
-          <p:cNvPr id="1156503424" name="Title 1"/>
+          <p:cNvPr id="1419120429" name="Title 1"/>
           <p:cNvSpPr>
             <a:spLocks noGrp="1"/>
           </p:cNvSpPr>
@@ -2475,7 +2475,7 @@
       </p:sp>
       <p:sp>
         <p:nvSpPr>
-          <p:cNvPr id="1245687830" name="Subtitle 2"/>
+          <p:cNvPr id="2136402343" name="Subtitle 2"/>
           <p:cNvSpPr>
             <a:spLocks noGrp="1"/>
           </p:cNvSpPr>
@@ -2543,7 +2543,7 @@
       </p:sp>
       <p:sp>
         <p:nvSpPr>
-          <p:cNvPr id="463748440" name="Date Placeholder 3"/>
+          <p:cNvPr id="1113074432" name="Date Placeholder 3"/>
           <p:cNvSpPr>
             <a:spLocks noGrp="1"/>
           </p:cNvSpPr>
@@ -2569,7 +2569,7 @@
       </p:sp>
       <p:sp>
         <p:nvSpPr>
-          <p:cNvPr id="1493820356" name="Footer Placeholder 4"/>
+          <p:cNvPr id="1080509923" name="Footer Placeholder 4"/>
           <p:cNvSpPr>
             <a:spLocks noGrp="1"/>
           </p:cNvSpPr>
@@ -2591,7 +2591,7 @@
       </p:sp>
       <p:sp>
         <p:nvSpPr>
-          <p:cNvPr id="1422869353" name="Slide Number Placeholder 5"/>
+          <p:cNvPr id="354709424" name="Slide Number Placeholder 5"/>
           <p:cNvSpPr>
             <a:spLocks noGrp="1"/>
           </p:cNvSpPr>
@@ -2642,7 +2642,7 @@
       </p:grpSpPr>
       <p:sp>
         <p:nvSpPr>
-          <p:cNvPr id="2022822952" name="Title 1"/>
+          <p:cNvPr id="1171567461" name="Title 1"/>
           <p:cNvSpPr>
             <a:spLocks noGrp="1"/>
           </p:cNvSpPr>
@@ -2668,7 +2668,7 @@
       </p:sp>
       <p:sp>
         <p:nvSpPr>
-          <p:cNvPr id="1288668178" name="Vertical Text Placeholder 2"/>
+          <p:cNvPr id="1634819085" name="Vertical Text Placeholder 2"/>
           <p:cNvSpPr>
             <a:spLocks noGrp="1"/>
           </p:cNvSpPr>
@@ -2734,7 +2734,7 @@
       </p:sp>
       <p:sp>
         <p:nvSpPr>
-          <p:cNvPr id="133137550" name="Date Placeholder 3"/>
+          <p:cNvPr id="894000518" name="Date Placeholder 3"/>
           <p:cNvSpPr>
             <a:spLocks noGrp="1"/>
           </p:cNvSpPr>
@@ -2760,7 +2760,7 @@
       </p:sp>
       <p:sp>
         <p:nvSpPr>
-          <p:cNvPr id="1159158861" name="Footer Placeholder 4"/>
+          <p:cNvPr id="1225573931" name="Footer Placeholder 4"/>
           <p:cNvSpPr>
             <a:spLocks noGrp="1"/>
           </p:cNvSpPr>
@@ -2782,7 +2782,7 @@
       </p:sp>
       <p:sp>
         <p:nvSpPr>
-          <p:cNvPr id="652079225" name="Slide Number Placeholder 5"/>
+          <p:cNvPr id="892737944" name="Slide Number Placeholder 5"/>
           <p:cNvSpPr>
             <a:spLocks noGrp="1"/>
           </p:cNvSpPr>
@@ -2833,7 +2833,7 @@
       </p:grpSpPr>
       <p:sp>
         <p:nvSpPr>
-          <p:cNvPr id="1667828773" name="Vertical Title 1"/>
+          <p:cNvPr id="828968719" name="Vertical Title 1"/>
           <p:cNvSpPr>
             <a:spLocks noGrp="1"/>
           </p:cNvSpPr>
@@ -2864,7 +2864,7 @@
       </p:sp>
       <p:sp>
         <p:nvSpPr>
-          <p:cNvPr id="48408196" name="Vertical Text Placeholder 2"/>
+          <p:cNvPr id="1452653304" name="Vertical Text Placeholder 2"/>
           <p:cNvSpPr>
             <a:spLocks noGrp="1"/>
           </p:cNvSpPr>
@@ -2935,7 +2935,7 @@
       </p:sp>
       <p:sp>
         <p:nvSpPr>
-          <p:cNvPr id="867292711" name="Date Placeholder 3"/>
+          <p:cNvPr id="1358643372" name="Date Placeholder 3"/>
           <p:cNvSpPr>
             <a:spLocks noGrp="1"/>
           </p:cNvSpPr>
@@ -2961,7 +2961,7 @@
       </p:sp>
       <p:sp>
         <p:nvSpPr>
-          <p:cNvPr id="328257203" name="Footer Placeholder 4"/>
+          <p:cNvPr id="161136722" name="Footer Placeholder 4"/>
           <p:cNvSpPr>
             <a:spLocks noGrp="1"/>
           </p:cNvSpPr>
@@ -2983,7 +2983,7 @@
       </p:sp>
       <p:sp>
         <p:nvSpPr>
-          <p:cNvPr id="1353548948" name="Slide Number Placeholder 5"/>
+          <p:cNvPr id="408189795" name="Slide Number Placeholder 5"/>
           <p:cNvSpPr>
             <a:spLocks noGrp="1"/>
           </p:cNvSpPr>
@@ -3034,7 +3034,7 @@
       </p:grpSpPr>
       <p:sp>
         <p:nvSpPr>
-          <p:cNvPr id="1987947695" name="Title 1"/>
+          <p:cNvPr id="2065646071" name="Title 1"/>
           <p:cNvSpPr>
             <a:spLocks noGrp="1"/>
           </p:cNvSpPr>
@@ -3060,7 +3060,7 @@
       </p:sp>
       <p:sp>
         <p:nvSpPr>
-          <p:cNvPr id="1738416113" name="Content Placeholder 2"/>
+          <p:cNvPr id="1360963652" name="Content Placeholder 2"/>
           <p:cNvSpPr>
             <a:spLocks noGrp="1"/>
           </p:cNvSpPr>
@@ -3126,7 +3126,7 @@
       </p:sp>
       <p:sp>
         <p:nvSpPr>
-          <p:cNvPr id="1234358988" name="Date Placeholder 3"/>
+          <p:cNvPr id="462171931" name="Date Placeholder 3"/>
           <p:cNvSpPr>
             <a:spLocks noGrp="1"/>
           </p:cNvSpPr>
@@ -3152,7 +3152,7 @@
       </p:sp>
       <p:sp>
         <p:nvSpPr>
-          <p:cNvPr id="2063132776" name="Footer Placeholder 4"/>
+          <p:cNvPr id="1636835596" name="Footer Placeholder 4"/>
           <p:cNvSpPr>
             <a:spLocks noGrp="1"/>
           </p:cNvSpPr>
@@ -3174,7 +3174,7 @@
       </p:sp>
       <p:sp>
         <p:nvSpPr>
-          <p:cNvPr id="2068263997" name="Slide Number Placeholder 5"/>
+          <p:cNvPr id="1283835792" name="Slide Number Placeholder 5"/>
           <p:cNvSpPr>
             <a:spLocks noGrp="1"/>
           </p:cNvSpPr>
@@ -3225,7 +3225,7 @@
       </p:grpSpPr>
       <p:sp>
         <p:nvSpPr>
-          <p:cNvPr id="706692045" name="Title 1"/>
+          <p:cNvPr id="814131127" name="Title 1"/>
           <p:cNvSpPr>
             <a:spLocks noGrp="1"/>
           </p:cNvSpPr>
@@ -3260,7 +3260,7 @@
       </p:sp>
       <p:sp>
         <p:nvSpPr>
-          <p:cNvPr id="1537591229" name="Text Placeholder 2"/>
+          <p:cNvPr id="1089259345" name="Text Placeholder 2"/>
           <p:cNvSpPr>
             <a:spLocks noGrp="1"/>
           </p:cNvSpPr>
@@ -3382,7 +3382,7 @@
       </p:sp>
       <p:sp>
         <p:nvSpPr>
-          <p:cNvPr id="1836934493" name="Date Placeholder 3"/>
+          <p:cNvPr id="1299523033" name="Date Placeholder 3"/>
           <p:cNvSpPr>
             <a:spLocks noGrp="1"/>
           </p:cNvSpPr>
@@ -3408,7 +3408,7 @@
       </p:sp>
       <p:sp>
         <p:nvSpPr>
-          <p:cNvPr id="1827831036" name="Footer Placeholder 4"/>
+          <p:cNvPr id="580911784" name="Footer Placeholder 4"/>
           <p:cNvSpPr>
             <a:spLocks noGrp="1"/>
           </p:cNvSpPr>
@@ -3430,7 +3430,7 @@
       </p:sp>
       <p:sp>
         <p:nvSpPr>
-          <p:cNvPr id="1773307882" name="Slide Number Placeholder 5"/>
+          <p:cNvPr id="592300278" name="Slide Number Placeholder 5"/>
           <p:cNvSpPr>
             <a:spLocks noGrp="1"/>
           </p:cNvSpPr>
@@ -3481,7 +3481,7 @@
       </p:grpSpPr>
       <p:sp>
         <p:nvSpPr>
-          <p:cNvPr id="108946294" name="Title 1"/>
+          <p:cNvPr id="693111008" name="Title 1"/>
           <p:cNvSpPr>
             <a:spLocks noGrp="1"/>
           </p:cNvSpPr>
@@ -3507,7 +3507,7 @@
       </p:sp>
       <p:sp>
         <p:nvSpPr>
-          <p:cNvPr id="643969187" name="Content Placeholder 2"/>
+          <p:cNvPr id="622850368" name="Content Placeholder 2"/>
           <p:cNvSpPr>
             <a:spLocks noGrp="1"/>
           </p:cNvSpPr>
@@ -3578,7 +3578,7 @@
       </p:sp>
       <p:sp>
         <p:nvSpPr>
-          <p:cNvPr id="2105638733" name="Content Placeholder 3"/>
+          <p:cNvPr id="1385456254" name="Content Placeholder 3"/>
           <p:cNvSpPr>
             <a:spLocks noGrp="1"/>
           </p:cNvSpPr>
@@ -3649,7 +3649,7 @@
       </p:sp>
       <p:sp>
         <p:nvSpPr>
-          <p:cNvPr id="1902440955" name="Date Placeholder 4"/>
+          <p:cNvPr id="1137388583" name="Date Placeholder 4"/>
           <p:cNvSpPr>
             <a:spLocks noGrp="1"/>
           </p:cNvSpPr>
@@ -3675,7 +3675,7 @@
       </p:sp>
       <p:sp>
         <p:nvSpPr>
-          <p:cNvPr id="853944597" name="Footer Placeholder 5"/>
+          <p:cNvPr id="1193035408" name="Footer Placeholder 5"/>
           <p:cNvSpPr>
             <a:spLocks noGrp="1"/>
           </p:cNvSpPr>
@@ -3697,7 +3697,7 @@
       </p:sp>
       <p:sp>
         <p:nvSpPr>
-          <p:cNvPr id="343572678" name="Slide Number Placeholder 6"/>
+          <p:cNvPr id="1810516985" name="Slide Number Placeholder 6"/>
           <p:cNvSpPr>
             <a:spLocks noGrp="1"/>
           </p:cNvSpPr>
@@ -3748,7 +3748,7 @@
       </p:grpSpPr>
       <p:sp>
         <p:nvSpPr>
-          <p:cNvPr id="155933078" name="Title 1"/>
+          <p:cNvPr id="1457095442" name="Title 1"/>
           <p:cNvSpPr>
             <a:spLocks noGrp="1"/>
           </p:cNvSpPr>
@@ -3779,7 +3779,7 @@
       </p:sp>
       <p:sp>
         <p:nvSpPr>
-          <p:cNvPr id="1669779733" name="Text Placeholder 2"/>
+          <p:cNvPr id="1025177748" name="Text Placeholder 2"/>
           <p:cNvSpPr>
             <a:spLocks noGrp="1"/>
           </p:cNvSpPr>
@@ -3847,7 +3847,7 @@
       </p:sp>
       <p:sp>
         <p:nvSpPr>
-          <p:cNvPr id="690492204" name="Content Placeholder 3"/>
+          <p:cNvPr id="284633579" name="Content Placeholder 3"/>
           <p:cNvSpPr>
             <a:spLocks noGrp="1"/>
           </p:cNvSpPr>
@@ -3918,7 +3918,7 @@
       </p:sp>
       <p:sp>
         <p:nvSpPr>
-          <p:cNvPr id="1430363634" name="Text Placeholder 4"/>
+          <p:cNvPr id="1299860472" name="Text Placeholder 4"/>
           <p:cNvSpPr>
             <a:spLocks noGrp="1"/>
           </p:cNvSpPr>
@@ -3986,7 +3986,7 @@
       </p:sp>
       <p:sp>
         <p:nvSpPr>
-          <p:cNvPr id="1912639503" name="Content Placeholder 5"/>
+          <p:cNvPr id="1748920739" name="Content Placeholder 5"/>
           <p:cNvSpPr>
             <a:spLocks noGrp="1"/>
           </p:cNvSpPr>
@@ -4057,7 +4057,7 @@
       </p:sp>
       <p:sp>
         <p:nvSpPr>
-          <p:cNvPr id="1997034749" name="Date Placeholder 6"/>
+          <p:cNvPr id="2028102031" name="Date Placeholder 6"/>
           <p:cNvSpPr>
             <a:spLocks noGrp="1"/>
           </p:cNvSpPr>
@@ -4083,7 +4083,7 @@
       </p:sp>
       <p:sp>
         <p:nvSpPr>
-          <p:cNvPr id="2145398287" name="Footer Placeholder 7"/>
+          <p:cNvPr id="1391010345" name="Footer Placeholder 7"/>
           <p:cNvSpPr>
             <a:spLocks noGrp="1"/>
           </p:cNvSpPr>
@@ -4105,7 +4105,7 @@
       </p:sp>
       <p:sp>
         <p:nvSpPr>
-          <p:cNvPr id="334783963" name="Slide Number Placeholder 8"/>
+          <p:cNvPr id="835405382" name="Slide Number Placeholder 8"/>
           <p:cNvSpPr>
             <a:spLocks noGrp="1"/>
           </p:cNvSpPr>
@@ -4156,7 +4156,7 @@
       </p:grpSpPr>
       <p:sp>
         <p:nvSpPr>
-          <p:cNvPr id="1919663946" name="Title 1"/>
+          <p:cNvPr id="1425841911" name="Title 1"/>
           <p:cNvSpPr>
             <a:spLocks noGrp="1"/>
           </p:cNvSpPr>
@@ -4182,7 +4182,7 @@
       </p:sp>
       <p:sp>
         <p:nvSpPr>
-          <p:cNvPr id="868760672" name="Date Placeholder 2"/>
+          <p:cNvPr id="292708363" name="Date Placeholder 2"/>
           <p:cNvSpPr>
             <a:spLocks noGrp="1"/>
           </p:cNvSpPr>
@@ -4208,7 +4208,7 @@
       </p:sp>
       <p:sp>
         <p:nvSpPr>
-          <p:cNvPr id="752395062" name="Footer Placeholder 3"/>
+          <p:cNvPr id="1594434820" name="Footer Placeholder 3"/>
           <p:cNvSpPr>
             <a:spLocks noGrp="1"/>
           </p:cNvSpPr>
@@ -4230,7 +4230,7 @@
       </p:sp>
       <p:sp>
         <p:nvSpPr>
-          <p:cNvPr id="118900431" name="Slide Number Placeholder 4"/>
+          <p:cNvPr id="21114960" name="Slide Number Placeholder 4"/>
           <p:cNvSpPr>
             <a:spLocks noGrp="1"/>
           </p:cNvSpPr>
@@ -4281,7 +4281,7 @@
       </p:grpSpPr>
       <p:sp>
         <p:nvSpPr>
-          <p:cNvPr id="1443898188" name="Date Placeholder 1"/>
+          <p:cNvPr id="218189060" name="Date Placeholder 1"/>
           <p:cNvSpPr>
             <a:spLocks noGrp="1"/>
           </p:cNvSpPr>
@@ -4307,7 +4307,7 @@
       </p:sp>
       <p:sp>
         <p:nvSpPr>
-          <p:cNvPr id="1596715331" name="Footer Placeholder 2"/>
+          <p:cNvPr id="491492692" name="Footer Placeholder 2"/>
           <p:cNvSpPr>
             <a:spLocks noGrp="1"/>
           </p:cNvSpPr>
@@ -4329,7 +4329,7 @@
       </p:sp>
       <p:sp>
         <p:nvSpPr>
-          <p:cNvPr id="1980237076" name="Slide Number Placeholder 3"/>
+          <p:cNvPr id="979991785" name="Slide Number Placeholder 3"/>
           <p:cNvSpPr>
             <a:spLocks noGrp="1"/>
           </p:cNvSpPr>
@@ -4380,7 +4380,7 @@
       </p:grpSpPr>
       <p:sp>
         <p:nvSpPr>
-          <p:cNvPr id="1336124698" name="Title 1"/>
+          <p:cNvPr id="1099334341" name="Title 1"/>
           <p:cNvSpPr>
             <a:spLocks noGrp="1"/>
           </p:cNvSpPr>
@@ -4415,7 +4415,7 @@
       </p:sp>
       <p:sp>
         <p:nvSpPr>
-          <p:cNvPr id="987424503" name="Content Placeholder 2"/>
+          <p:cNvPr id="717806817" name="Content Placeholder 2"/>
           <p:cNvSpPr>
             <a:spLocks noGrp="1"/>
           </p:cNvSpPr>
@@ -4514,7 +4514,7 @@
       </p:sp>
       <p:sp>
         <p:nvSpPr>
-          <p:cNvPr id="400923087" name="Text Placeholder 3"/>
+          <p:cNvPr id="470599354" name="Text Placeholder 3"/>
           <p:cNvSpPr>
             <a:spLocks noGrp="1"/>
           </p:cNvSpPr>
@@ -4582,7 +4582,7 @@
       </p:sp>
       <p:sp>
         <p:nvSpPr>
-          <p:cNvPr id="318024891" name="Date Placeholder 4"/>
+          <p:cNvPr id="418734961" name="Date Placeholder 4"/>
           <p:cNvSpPr>
             <a:spLocks noGrp="1"/>
           </p:cNvSpPr>
@@ -4608,7 +4608,7 @@
       </p:sp>
       <p:sp>
         <p:nvSpPr>
-          <p:cNvPr id="204809872" name="Footer Placeholder 5"/>
+          <p:cNvPr id="1447631398" name="Footer Placeholder 5"/>
           <p:cNvSpPr>
             <a:spLocks noGrp="1"/>
           </p:cNvSpPr>
@@ -4630,7 +4630,7 @@
       </p:sp>
       <p:sp>
         <p:nvSpPr>
-          <p:cNvPr id="1026227217" name="Slide Number Placeholder 6"/>
+          <p:cNvPr id="869639395" name="Slide Number Placeholder 6"/>
           <p:cNvSpPr>
             <a:spLocks noGrp="1"/>
           </p:cNvSpPr>
@@ -4681,7 +4681,7 @@
       </p:grpSpPr>
       <p:sp>
         <p:nvSpPr>
-          <p:cNvPr id="2058222588" name="Title 1"/>
+          <p:cNvPr id="875227544" name="Title 1"/>
           <p:cNvSpPr>
             <a:spLocks noGrp="1"/>
           </p:cNvSpPr>
@@ -4716,7 +4716,7 @@
       </p:sp>
       <p:sp>
         <p:nvSpPr>
-          <p:cNvPr id="826359242" name="Picture Placeholder 2"/>
+          <p:cNvPr id="1378685535" name="Picture Placeholder 2"/>
           <p:cNvSpPr>
             <a:spLocks noGrp="1"/>
           </p:cNvSpPr>
@@ -4780,7 +4780,7 @@
       </p:sp>
       <p:sp>
         <p:nvSpPr>
-          <p:cNvPr id="747636450" name="Text Placeholder 3"/>
+          <p:cNvPr id="1099772804" name="Text Placeholder 3"/>
           <p:cNvSpPr>
             <a:spLocks noGrp="1"/>
           </p:cNvSpPr>
@@ -4848,7 +4848,7 @@
       </p:sp>
       <p:sp>
         <p:nvSpPr>
-          <p:cNvPr id="860743486" name="Date Placeholder 4"/>
+          <p:cNvPr id="322176819" name="Date Placeholder 4"/>
           <p:cNvSpPr>
             <a:spLocks noGrp="1"/>
           </p:cNvSpPr>
@@ -4874,7 +4874,7 @@
       </p:sp>
       <p:sp>
         <p:nvSpPr>
-          <p:cNvPr id="247028973" name="Footer Placeholder 5"/>
+          <p:cNvPr id="1639498740" name="Footer Placeholder 5"/>
           <p:cNvSpPr>
             <a:spLocks noGrp="1"/>
           </p:cNvSpPr>
@@ -4896,7 +4896,7 @@
       </p:sp>
       <p:sp>
         <p:nvSpPr>
-          <p:cNvPr id="495162989" name="Slide Number Placeholder 6"/>
+          <p:cNvPr id="239130715" name="Slide Number Placeholder 6"/>
           <p:cNvSpPr>
             <a:spLocks noGrp="1"/>
           </p:cNvSpPr>
@@ -4952,7 +4952,7 @@
       </p:grpSpPr>
       <p:sp>
         <p:nvSpPr>
-          <p:cNvPr id="1470393943" name="Title Placeholder 1"/>
+          <p:cNvPr id="1209110758" name="Title Placeholder 1"/>
           <p:cNvSpPr>
             <a:spLocks noGrp="1"/>
           </p:cNvSpPr>
@@ -4988,7 +4988,7 @@
       </p:sp>
       <p:sp>
         <p:nvSpPr>
-          <p:cNvPr id="1009397055" name="Text Placeholder 2"/>
+          <p:cNvPr id="1626714898" name="Text Placeholder 2"/>
           <p:cNvSpPr>
             <a:spLocks noGrp="1"/>
           </p:cNvSpPr>
@@ -5064,7 +5064,7 @@
       </p:sp>
       <p:sp>
         <p:nvSpPr>
-          <p:cNvPr id="2140675612" name="Date Placeholder 3"/>
+          <p:cNvPr id="484796156" name="Date Placeholder 3"/>
           <p:cNvSpPr>
             <a:spLocks noGrp="1"/>
           </p:cNvSpPr>
@@ -5108,7 +5108,7 @@
       </p:sp>
       <p:sp>
         <p:nvSpPr>
-          <p:cNvPr id="1886560248" name="Footer Placeholder 4"/>
+          <p:cNvPr id="85678474" name="Footer Placeholder 4"/>
           <p:cNvSpPr>
             <a:spLocks noGrp="1"/>
           </p:cNvSpPr>
@@ -5148,7 +5148,7 @@
       </p:sp>
       <p:sp>
         <p:nvSpPr>
-          <p:cNvPr id="1054651297" name="Slide Number Placeholder 5"/>
+          <p:cNvPr id="1217604049" name="Slide Number Placeholder 5"/>
           <p:cNvSpPr>
             <a:spLocks noGrp="1"/>
           </p:cNvSpPr>
@@ -5515,7 +5515,7 @@
       </p:grpSpPr>
       <p:sp>
         <p:nvSpPr>
-          <p:cNvPr id="1894220446" name="Title 1"/>
+          <p:cNvPr id="1231883789" name="Title 1"/>
           <p:cNvSpPr>
             <a:spLocks noGrp="1"/>
           </p:cNvSpPr>
@@ -5525,7 +5525,7 @@
         </p:nvSpPr>
         <p:spPr bwMode="auto">
           <a:xfrm>
-            <a:off x="0" y="1122363"/>
+            <a:off x="-115724" y="1041399"/>
             <a:ext cx="12192000" cy="2387600"/>
           </a:xfrm>
         </p:spPr>
@@ -5550,7 +5550,7 @@
       </p:sp>
       <p:sp>
         <p:nvSpPr>
-          <p:cNvPr id="84809419" name="Subtitle 2"/>
+          <p:cNvPr id="1688028417" name="Subtitle 2"/>
           <p:cNvSpPr>
             <a:spLocks noGrp="1"/>
           </p:cNvSpPr>
@@ -5566,7 +5566,7 @@
         </p:spPr>
         <p:txBody>
           <a:bodyPr vertOverflow="overflow" horzOverflow="overflow" vert="horz" wrap="square" lIns="91440" tIns="45720" rIns="91440" bIns="45720" numCol="1" spcCol="0" rtlCol="0" fromWordArt="0" anchor="t" anchorCtr="0" forceAA="0" upright="0" compatLnSpc="0">
-            <a:normAutofit fontScale="65000" lnSpcReduction="7000"/>
+            <a:normAutofit fontScale="60000" lnSpcReduction="8000"/>
           </a:bodyPr>
           <a:lstStyle/>
           <a:p>
@@ -5636,43 +5636,7 @@
               <a:defRPr/>
             </a:pPr>
             <a:r>
-              <a:rPr lang="en-GB" sz="3200">
-                <a:solidFill>
-                  <a:schemeClr val="bg1"/>
-                </a:solidFill>
-              </a:rPr>
-              <a:t>Lab Session </a:t>
-            </a:r>
-            <a:r>
-              <a:rPr lang="en-US" sz="3200">
-                <a:solidFill>
-                  <a:schemeClr val="bg1"/>
-                </a:solidFill>
-              </a:rPr>
-              <a:t>6</a:t>
-            </a:r>
-            <a:r>
-              <a:rPr lang="en-GB" sz="3200">
-                <a:solidFill>
-                  <a:schemeClr val="bg1"/>
-                </a:solidFill>
-              </a:rPr>
-              <a:t> –</a:t>
-            </a:r>
-            <a:r>
-              <a:rPr lang="en-GB" sz="2800">
-                <a:solidFill>
-                  <a:schemeClr val="bg1"/>
-                </a:solidFill>
-              </a:rPr>
-              <a:t> </a:t>
-            </a:r>
-            <a:r>
-              <a:rPr/>
-              <a:t> </a:t>
-            </a:r>
-            <a:r>
-              <a:rPr sz="3600">
+              <a:rPr sz="4800">
                 <a:solidFill>
                   <a:schemeClr val="bg1"/>
                 </a:solidFill>
@@ -5680,7 +5644,7 @@
               <a:t>Pit Avoidance</a:t>
             </a:r>
             <a:r>
-              <a:rPr lang="en-US" sz="3200">
+              <a:rPr lang="en-US" sz="4800">
                 <a:solidFill>
                   <a:schemeClr val="bg1"/>
                 </a:solidFill>
@@ -5707,7 +5671,7 @@
       </p:sp>
       <p:pic>
         <p:nvPicPr>
-          <p:cNvPr id="1354821377" name="Picture 3"/>
+          <p:cNvPr id="717765039" name="Picture 3"/>
           <p:cNvPicPr>
             <a:picLocks noChangeAspect="1"/>
           </p:cNvPicPr>
@@ -5769,7 +5733,7 @@
       </p:grpSpPr>
       <p:sp>
         <p:nvSpPr>
-          <p:cNvPr id="958176897" name="Title 1"/>
+          <p:cNvPr id="277706970" name="Title 1"/>
           <p:cNvSpPr>
             <a:spLocks noGrp="1"/>
           </p:cNvSpPr>
@@ -5791,48 +5755,26 @@
               <a:defRPr/>
             </a:pPr>
             <a:r>
-              <a:rPr lang="en-GB" sz="4400" b="0" i="0" u="none" strike="noStrike" cap="none" spc="0">
-                <a:solidFill>
-                  <a:schemeClr val="bg1"/>
-                </a:solidFill>
-                <a:latin typeface="Aptos Display"/>
-                <a:ea typeface="Aptos Display"/>
-                <a:cs typeface="Aptos Display"/>
-              </a:rPr>
-              <a:t>Lab Session </a:t>
-            </a:r>
-            <a:r>
               <a:rPr lang="en-US" sz="4400" b="0" i="0" u="none" strike="noStrike" cap="none" spc="0">
                 <a:solidFill>
                   <a:schemeClr val="bg1"/>
                 </a:solidFill>
-                <a:latin typeface="Aptos Display"/>
-                <a:ea typeface="Aptos Display"/>
-                <a:cs typeface="Aptos Display"/>
-              </a:rPr>
-              <a:t>6</a:t>
-            </a:r>
-            <a:r>
-              <a:rPr lang="en-GB" sz="4400" b="0" i="0" u="none" strike="noStrike" cap="none" spc="0">
-                <a:solidFill>
-                  <a:schemeClr val="bg1"/>
-                </a:solidFill>
-                <a:latin typeface="Aptos Display"/>
-                <a:ea typeface="Aptos Display"/>
-                <a:cs typeface="Aptos Display"/>
-              </a:rPr>
-              <a:t> – </a:t>
+                <a:latin typeface="+mj-lt"/>
+                <a:ea typeface="+mj-ea"/>
+                <a:cs typeface="+mj-cs"/>
+              </a:rPr>
+              <a:t>Pit Avoidance</a:t>
             </a:r>
             <a:r>
               <a:rPr lang="en-US" sz="4400" b="0" i="0" u="none" strike="noStrike" cap="none" spc="0">
                 <a:solidFill>
                   <a:schemeClr val="bg1"/>
                 </a:solidFill>
-                <a:latin typeface="Aptos Display"/>
-                <a:ea typeface="Arial"/>
-                <a:cs typeface="Arial"/>
-              </a:rPr>
-              <a:t>Pit Avoidance By IR Sensors</a:t>
+                <a:latin typeface="+mj-lt"/>
+                <a:ea typeface="+mj-ea"/>
+                <a:cs typeface="+mj-cs"/>
+              </a:rPr>
+              <a:t> by IR Sensors</a:t>
             </a:r>
             <a:endParaRPr/>
           </a:p>
@@ -5840,7 +5782,7 @@
       </p:sp>
       <p:sp>
         <p:nvSpPr>
-          <p:cNvPr id="2129374179" name="Content Placeholder 2"/>
+          <p:cNvPr id="8610884" name="Content Placeholder 2"/>
           <p:cNvSpPr>
             <a:spLocks noGrp="1"/>
           </p:cNvSpPr>
@@ -6245,7 +6187,7 @@
       </p:sp>
       <p:pic>
         <p:nvPicPr>
-          <p:cNvPr id="254167859" name="Picture 3"/>
+          <p:cNvPr id="1803764253" name="Picture 3"/>
           <p:cNvPicPr>
             <a:picLocks noChangeAspect="1"/>
           </p:cNvPicPr>
@@ -6267,7 +6209,7 @@
       </p:pic>
       <p:sp>
         <p:nvSpPr>
-          <p:cNvPr id="1579024065" name=""/>
+          <p:cNvPr id="1053422112" name=""/>
           <p:cNvSpPr txBox="1"/>
           <p:nvPr/>
         </p:nvSpPr>
@@ -6335,7 +6277,7 @@
       </p:grpSpPr>
       <p:sp>
         <p:nvSpPr>
-          <p:cNvPr id="143057795" name="Title 1"/>
+          <p:cNvPr id="68486954" name="Title 1"/>
           <p:cNvSpPr>
             <a:spLocks noGrp="1"/>
           </p:cNvSpPr>
@@ -6357,48 +6299,26 @@
               <a:defRPr/>
             </a:pPr>
             <a:r>
-              <a:rPr lang="en-GB" sz="4400" b="0" i="0" u="none" strike="noStrike" cap="none" spc="0">
-                <a:solidFill>
-                  <a:schemeClr val="bg1"/>
-                </a:solidFill>
-                <a:latin typeface="Aptos Display"/>
-                <a:ea typeface="Aptos Display"/>
-                <a:cs typeface="Aptos Display"/>
-              </a:rPr>
-              <a:t>Lab Session </a:t>
-            </a:r>
-            <a:r>
               <a:rPr lang="en-US" sz="4400" b="0" i="0" u="none" strike="noStrike" cap="none" spc="0">
                 <a:solidFill>
                   <a:schemeClr val="bg1"/>
                 </a:solidFill>
-                <a:latin typeface="Aptos Display"/>
-                <a:ea typeface="Aptos Display"/>
-                <a:cs typeface="Aptos Display"/>
-              </a:rPr>
-              <a:t>6</a:t>
-            </a:r>
-            <a:r>
-              <a:rPr lang="en-GB" sz="4400" b="0" i="0" u="none" strike="noStrike" cap="none" spc="0">
-                <a:solidFill>
-                  <a:schemeClr val="bg1"/>
-                </a:solidFill>
-                <a:latin typeface="Aptos Display"/>
-                <a:ea typeface="Aptos Display"/>
-                <a:cs typeface="Aptos Display"/>
-              </a:rPr>
-              <a:t> – </a:t>
+                <a:latin typeface="+mj-lt"/>
+                <a:ea typeface="+mj-ea"/>
+                <a:cs typeface="+mj-cs"/>
+              </a:rPr>
+              <a:t>Pit Avoidance</a:t>
             </a:r>
             <a:r>
               <a:rPr lang="en-US" sz="4400" b="0" i="0" u="none" strike="noStrike" cap="none" spc="0">
                 <a:solidFill>
                   <a:schemeClr val="bg1"/>
                 </a:solidFill>
-                <a:latin typeface="Aptos Display"/>
-                <a:ea typeface="Arial"/>
-                <a:cs typeface="Arial"/>
-              </a:rPr>
-              <a:t>Pit Avoidance By IR Sensors</a:t>
+                <a:latin typeface="+mj-lt"/>
+                <a:ea typeface="+mj-ea"/>
+                <a:cs typeface="+mj-cs"/>
+              </a:rPr>
+              <a:t> by IR Sensors</a:t>
             </a:r>
             <a:endParaRPr/>
           </a:p>
@@ -6406,7 +6326,7 @@
       </p:sp>
       <p:sp>
         <p:nvSpPr>
-          <p:cNvPr id="853835061" name="Content Placeholder 2"/>
+          <p:cNvPr id="2083827169" name="Content Placeholder 2"/>
           <p:cNvSpPr>
             <a:spLocks noGrp="1"/>
           </p:cNvSpPr>
@@ -6580,7 +6500,7 @@
       </p:sp>
       <p:pic>
         <p:nvPicPr>
-          <p:cNvPr id="1189126092" name="Picture 3"/>
+          <p:cNvPr id="341151114" name="Picture 3"/>
           <p:cNvPicPr>
             <a:picLocks noChangeAspect="1"/>
           </p:cNvPicPr>
@@ -6602,7 +6522,7 @@
       </p:pic>
       <p:sp>
         <p:nvSpPr>
-          <p:cNvPr id="924507989" name=""/>
+          <p:cNvPr id="1180083675" name=""/>
           <p:cNvSpPr txBox="1"/>
           <p:nvPr/>
         </p:nvSpPr>
@@ -6670,7 +6590,7 @@
       </p:grpSpPr>
       <p:sp>
         <p:nvSpPr>
-          <p:cNvPr id="917430511" name="Title 1"/>
+          <p:cNvPr id="1326909584" name="Title 1"/>
           <p:cNvSpPr>
             <a:spLocks noGrp="1"/>
           </p:cNvSpPr>
@@ -6692,48 +6612,26 @@
               <a:defRPr/>
             </a:pPr>
             <a:r>
-              <a:rPr lang="en-GB" sz="4400" b="0" i="0" u="none" strike="noStrike" cap="none" spc="0">
-                <a:solidFill>
-                  <a:schemeClr val="bg1"/>
-                </a:solidFill>
-                <a:latin typeface="Aptos Display"/>
-                <a:ea typeface="Aptos Display"/>
-                <a:cs typeface="Aptos Display"/>
-              </a:rPr>
-              <a:t>Lab Session </a:t>
-            </a:r>
-            <a:r>
               <a:rPr lang="en-US" sz="4400" b="0" i="0" u="none" strike="noStrike" cap="none" spc="0">
                 <a:solidFill>
                   <a:schemeClr val="bg1"/>
                 </a:solidFill>
-                <a:latin typeface="Aptos Display"/>
-                <a:ea typeface="Aptos Display"/>
-                <a:cs typeface="Aptos Display"/>
-              </a:rPr>
-              <a:t>6</a:t>
-            </a:r>
-            <a:r>
-              <a:rPr lang="en-GB" sz="4400" b="0" i="0" u="none" strike="noStrike" cap="none" spc="0">
-                <a:solidFill>
-                  <a:schemeClr val="bg1"/>
-                </a:solidFill>
-                <a:latin typeface="Aptos Display"/>
-                <a:ea typeface="Aptos Display"/>
-                <a:cs typeface="Aptos Display"/>
-              </a:rPr>
-              <a:t> – </a:t>
+                <a:latin typeface="+mj-lt"/>
+                <a:ea typeface="+mj-ea"/>
+                <a:cs typeface="+mj-cs"/>
+              </a:rPr>
+              <a:t>Pit Avoidance</a:t>
             </a:r>
             <a:r>
               <a:rPr lang="en-US" sz="4400" b="0" i="0" u="none" strike="noStrike" cap="none" spc="0">
                 <a:solidFill>
                   <a:schemeClr val="bg1"/>
                 </a:solidFill>
-                <a:latin typeface="Aptos Display"/>
-                <a:ea typeface="Arial"/>
-                <a:cs typeface="Arial"/>
-              </a:rPr>
-              <a:t>Pit Avoidance By IR Sensors</a:t>
+                <a:latin typeface="+mj-lt"/>
+                <a:ea typeface="+mj-ea"/>
+                <a:cs typeface="+mj-cs"/>
+              </a:rPr>
+              <a:t> by IR Sensors</a:t>
             </a:r>
             <a:endParaRPr/>
           </a:p>
@@ -6741,7 +6639,7 @@
       </p:sp>
       <p:sp>
         <p:nvSpPr>
-          <p:cNvPr id="1284821609" name="Content Placeholder 2"/>
+          <p:cNvPr id="445321624" name="Content Placeholder 2"/>
           <p:cNvSpPr>
             <a:spLocks noGrp="1"/>
           </p:cNvSpPr>
@@ -7152,7 +7050,7 @@
       </p:sp>
       <p:pic>
         <p:nvPicPr>
-          <p:cNvPr id="1316292753" name="Picture 3"/>
+          <p:cNvPr id="787188061" name="Picture 3"/>
           <p:cNvPicPr>
             <a:picLocks noChangeAspect="1"/>
           </p:cNvPicPr>
@@ -7174,7 +7072,7 @@
       </p:pic>
       <p:sp>
         <p:nvSpPr>
-          <p:cNvPr id="1032012232" name=""/>
+          <p:cNvPr id="728807286" name=""/>
           <p:cNvSpPr txBox="1"/>
           <p:nvPr/>
         </p:nvSpPr>
@@ -7242,7 +7140,7 @@
       </p:grpSpPr>
       <p:sp>
         <p:nvSpPr>
-          <p:cNvPr id="1646016205" name="Title 1"/>
+          <p:cNvPr id="1906643645" name="Title 1"/>
           <p:cNvSpPr>
             <a:spLocks noGrp="1"/>
           </p:cNvSpPr>
@@ -7264,48 +7162,26 @@
               <a:defRPr/>
             </a:pPr>
             <a:r>
-              <a:rPr lang="en-GB" sz="4400" b="0" i="0" u="none" strike="noStrike" cap="none" spc="0">
-                <a:solidFill>
-                  <a:schemeClr val="bg1"/>
-                </a:solidFill>
-                <a:latin typeface="Aptos Display"/>
-                <a:ea typeface="Aptos Display"/>
-                <a:cs typeface="Aptos Display"/>
-              </a:rPr>
-              <a:t>Lab Session </a:t>
-            </a:r>
-            <a:r>
               <a:rPr lang="en-US" sz="4400" b="0" i="0" u="none" strike="noStrike" cap="none" spc="0">
                 <a:solidFill>
                   <a:schemeClr val="bg1"/>
                 </a:solidFill>
-                <a:latin typeface="Aptos Display"/>
-                <a:ea typeface="Aptos Display"/>
-                <a:cs typeface="Aptos Display"/>
-              </a:rPr>
-              <a:t>6</a:t>
-            </a:r>
-            <a:r>
-              <a:rPr lang="en-GB" sz="4400" b="0" i="0" u="none" strike="noStrike" cap="none" spc="0">
-                <a:solidFill>
-                  <a:schemeClr val="bg1"/>
-                </a:solidFill>
-                <a:latin typeface="Aptos Display"/>
-                <a:ea typeface="Aptos Display"/>
-                <a:cs typeface="Aptos Display"/>
-              </a:rPr>
-              <a:t> – </a:t>
+                <a:latin typeface="+mj-lt"/>
+                <a:ea typeface="+mj-ea"/>
+                <a:cs typeface="+mj-cs"/>
+              </a:rPr>
+              <a:t>Pit Avoidance</a:t>
             </a:r>
             <a:r>
               <a:rPr lang="en-US" sz="4400" b="0" i="0" u="none" strike="noStrike" cap="none" spc="0">
                 <a:solidFill>
                   <a:schemeClr val="bg1"/>
                 </a:solidFill>
-                <a:latin typeface="Aptos Display"/>
-                <a:ea typeface="Arial"/>
-                <a:cs typeface="Arial"/>
-              </a:rPr>
-              <a:t>Pit Avoidance By IR Sensors</a:t>
+                <a:latin typeface="+mj-lt"/>
+                <a:ea typeface="+mj-ea"/>
+                <a:cs typeface="+mj-cs"/>
+              </a:rPr>
+              <a:t> by IR Sensors</a:t>
             </a:r>
             <a:endParaRPr/>
           </a:p>
@@ -7313,7 +7189,7 @@
       </p:sp>
       <p:sp>
         <p:nvSpPr>
-          <p:cNvPr id="1051010695" name="Content Placeholder 2"/>
+          <p:cNvPr id="1782146640" name="Content Placeholder 2"/>
           <p:cNvSpPr>
             <a:spLocks noGrp="1"/>
           </p:cNvSpPr>
@@ -7917,7 +7793,7 @@
       </p:sp>
       <p:pic>
         <p:nvPicPr>
-          <p:cNvPr id="2119780308" name="Picture 3"/>
+          <p:cNvPr id="1810579543" name="Picture 3"/>
           <p:cNvPicPr>
             <a:picLocks noChangeAspect="1"/>
           </p:cNvPicPr>
@@ -7939,7 +7815,7 @@
       </p:pic>
       <p:sp>
         <p:nvSpPr>
-          <p:cNvPr id="8270486" name=""/>
+          <p:cNvPr id="951649896" name=""/>
           <p:cNvSpPr txBox="1"/>
           <p:nvPr/>
         </p:nvSpPr>
@@ -8007,7 +7883,7 @@
       </p:grpSpPr>
       <p:sp>
         <p:nvSpPr>
-          <p:cNvPr id="438153406" name="Title 1"/>
+          <p:cNvPr id="183167331" name="Title 1"/>
           <p:cNvSpPr>
             <a:spLocks noGrp="1"/>
           </p:cNvSpPr>
@@ -8029,48 +7905,26 @@
               <a:defRPr/>
             </a:pPr>
             <a:r>
-              <a:rPr lang="en-GB" sz="4400" b="0" i="0" u="none" strike="noStrike" cap="none" spc="0">
-                <a:solidFill>
-                  <a:schemeClr val="bg1"/>
-                </a:solidFill>
-                <a:latin typeface="Aptos Display"/>
-                <a:ea typeface="Aptos Display"/>
-                <a:cs typeface="Aptos Display"/>
-              </a:rPr>
-              <a:t>Lab Session </a:t>
-            </a:r>
-            <a:r>
               <a:rPr lang="en-US" sz="4400" b="0" i="0" u="none" strike="noStrike" cap="none" spc="0">
                 <a:solidFill>
                   <a:schemeClr val="bg1"/>
                 </a:solidFill>
-                <a:latin typeface="Aptos Display"/>
-                <a:ea typeface="Aptos Display"/>
-                <a:cs typeface="Aptos Display"/>
-              </a:rPr>
-              <a:t>6</a:t>
-            </a:r>
-            <a:r>
-              <a:rPr lang="en-GB" sz="4400" b="0" i="0" u="none" strike="noStrike" cap="none" spc="0">
-                <a:solidFill>
-                  <a:schemeClr val="bg1"/>
-                </a:solidFill>
-                <a:latin typeface="Aptos Display"/>
-                <a:ea typeface="Aptos Display"/>
-                <a:cs typeface="Aptos Display"/>
-              </a:rPr>
-              <a:t> – </a:t>
+                <a:latin typeface="+mj-lt"/>
+                <a:ea typeface="+mj-ea"/>
+                <a:cs typeface="+mj-cs"/>
+              </a:rPr>
+              <a:t>Pit Avoidance</a:t>
             </a:r>
             <a:r>
               <a:rPr lang="en-US" sz="4400" b="0" i="0" u="none" strike="noStrike" cap="none" spc="0">
                 <a:solidFill>
                   <a:schemeClr val="bg1"/>
                 </a:solidFill>
-                <a:latin typeface="Aptos Display"/>
-                <a:ea typeface="Arial"/>
-                <a:cs typeface="Arial"/>
-              </a:rPr>
-              <a:t>Pit Avoidance By IR Sensors</a:t>
+                <a:latin typeface="+mj-lt"/>
+                <a:ea typeface="+mj-ea"/>
+                <a:cs typeface="+mj-cs"/>
+              </a:rPr>
+              <a:t> by IR Sensors</a:t>
             </a:r>
             <a:endParaRPr/>
           </a:p>
@@ -8078,7 +7932,7 @@
       </p:sp>
       <p:sp>
         <p:nvSpPr>
-          <p:cNvPr id="1439937078" name="Content Placeholder 2"/>
+          <p:cNvPr id="625048969" name="Content Placeholder 2"/>
           <p:cNvSpPr>
             <a:spLocks noGrp="1"/>
           </p:cNvSpPr>
@@ -8414,7 +8268,7 @@
       </p:sp>
       <p:pic>
         <p:nvPicPr>
-          <p:cNvPr id="265102080" name="Picture 3"/>
+          <p:cNvPr id="1999368466" name="Picture 3"/>
           <p:cNvPicPr>
             <a:picLocks noChangeAspect="1"/>
           </p:cNvPicPr>
@@ -8436,7 +8290,7 @@
       </p:pic>
       <p:sp>
         <p:nvSpPr>
-          <p:cNvPr id="737143041" name=""/>
+          <p:cNvPr id="430277578" name=""/>
           <p:cNvSpPr txBox="1"/>
           <p:nvPr/>
         </p:nvSpPr>
@@ -8504,7 +8358,7 @@
       </p:grpSpPr>
       <p:sp>
         <p:nvSpPr>
-          <p:cNvPr id="767434360" name="Title 1"/>
+          <p:cNvPr id="1115414729" name="Title 1"/>
           <p:cNvSpPr>
             <a:spLocks noGrp="1"/>
           </p:cNvSpPr>
@@ -8526,48 +8380,26 @@
               <a:defRPr/>
             </a:pPr>
             <a:r>
-              <a:rPr lang="en-GB" sz="4400" b="0" i="0" u="none" strike="noStrike" cap="none" spc="0">
-                <a:solidFill>
-                  <a:schemeClr val="bg1"/>
-                </a:solidFill>
-                <a:latin typeface="Aptos Display"/>
-                <a:ea typeface="Aptos Display"/>
-                <a:cs typeface="Aptos Display"/>
-              </a:rPr>
-              <a:t>Lab Session </a:t>
-            </a:r>
-            <a:r>
               <a:rPr lang="en-US" sz="4400" b="0" i="0" u="none" strike="noStrike" cap="none" spc="0">
                 <a:solidFill>
                   <a:schemeClr val="bg1"/>
                 </a:solidFill>
-                <a:latin typeface="Aptos Display"/>
-                <a:ea typeface="Aptos Display"/>
-                <a:cs typeface="Aptos Display"/>
-              </a:rPr>
-              <a:t>6</a:t>
-            </a:r>
-            <a:r>
-              <a:rPr lang="en-GB" sz="4400" b="0" i="0" u="none" strike="noStrike" cap="none" spc="0">
-                <a:solidFill>
-                  <a:schemeClr val="bg1"/>
-                </a:solidFill>
-                <a:latin typeface="Aptos Display"/>
-                <a:ea typeface="Aptos Display"/>
-                <a:cs typeface="Aptos Display"/>
-              </a:rPr>
-              <a:t> – </a:t>
+                <a:latin typeface="+mj-lt"/>
+                <a:ea typeface="+mj-ea"/>
+                <a:cs typeface="+mj-cs"/>
+              </a:rPr>
+              <a:t>Pit Avoidance</a:t>
             </a:r>
             <a:r>
               <a:rPr lang="en-US" sz="4400" b="0" i="0" u="none" strike="noStrike" cap="none" spc="0">
                 <a:solidFill>
                   <a:schemeClr val="bg1"/>
                 </a:solidFill>
-                <a:latin typeface="Aptos Display"/>
-                <a:ea typeface="Arial"/>
-                <a:cs typeface="Arial"/>
-              </a:rPr>
-              <a:t>Pit Avoidance By IR Sensors</a:t>
+                <a:latin typeface="+mj-lt"/>
+                <a:ea typeface="+mj-ea"/>
+                <a:cs typeface="+mj-cs"/>
+              </a:rPr>
+              <a:t> by IR Sensors</a:t>
             </a:r>
             <a:endParaRPr/>
           </a:p>
@@ -8575,7 +8407,7 @@
       </p:sp>
       <p:sp>
         <p:nvSpPr>
-          <p:cNvPr id="1872653790" name="Content Placeholder 2"/>
+          <p:cNvPr id="2060907229" name="Content Placeholder 2"/>
           <p:cNvSpPr>
             <a:spLocks noGrp="1"/>
           </p:cNvSpPr>
@@ -8634,7 +8466,7 @@
       </p:sp>
       <p:pic>
         <p:nvPicPr>
-          <p:cNvPr id="661665978" name="Picture 3"/>
+          <p:cNvPr id="1621909258" name="Picture 3"/>
           <p:cNvPicPr>
             <a:picLocks noChangeAspect="1"/>
           </p:cNvPicPr>
@@ -8656,7 +8488,7 @@
       </p:pic>
       <p:sp>
         <p:nvSpPr>
-          <p:cNvPr id="551028302" name=""/>
+          <p:cNvPr id="744789438" name=""/>
           <p:cNvSpPr txBox="1"/>
           <p:nvPr/>
         </p:nvSpPr>
@@ -8684,7 +8516,7 @@
       </p:sp>
       <p:graphicFrame>
         <p:nvGraphicFramePr>
-          <p:cNvPr id="198722173" name=""/>
+          <p:cNvPr id="682466564" name=""/>
           <p:cNvGraphicFramePr>
             <a:graphicFrameLocks xmlns:a="http://schemas.openxmlformats.org/drawingml/2006/main"/>
           </p:cNvGraphicFramePr>
@@ -9246,7 +9078,7 @@
       </p:graphicFrame>
       <p:sp>
         <p:nvSpPr>
-          <p:cNvPr id="1493296699" name=""/>
+          <p:cNvPr id="1134241045" name=""/>
           <p:cNvSpPr/>
           <p:nvPr/>
         </p:nvSpPr>
@@ -9282,7 +9114,7 @@
       </p:sp>
       <p:sp>
         <p:nvSpPr>
-          <p:cNvPr id="327135456" name=""/>
+          <p:cNvPr id="1294024041" name=""/>
           <p:cNvSpPr/>
           <p:nvPr/>
         </p:nvSpPr>
@@ -9458,7 +9290,7 @@
       </p:grpSpPr>
       <p:sp>
         <p:nvSpPr>
-          <p:cNvPr id="2063663937" name="Title 1"/>
+          <p:cNvPr id="144398849" name="Title 1"/>
           <p:cNvSpPr>
             <a:spLocks noGrp="1"/>
           </p:cNvSpPr>
@@ -9480,48 +9312,26 @@
               <a:defRPr/>
             </a:pPr>
             <a:r>
-              <a:rPr lang="en-GB" sz="4400" b="0" i="0" u="none" strike="noStrike" cap="none" spc="0">
-                <a:solidFill>
-                  <a:schemeClr val="bg1"/>
-                </a:solidFill>
-                <a:latin typeface="Aptos Display"/>
-                <a:ea typeface="Aptos Display"/>
-                <a:cs typeface="Aptos Display"/>
-              </a:rPr>
-              <a:t>Lab Session </a:t>
-            </a:r>
-            <a:r>
               <a:rPr lang="en-US" sz="4400" b="0" i="0" u="none" strike="noStrike" cap="none" spc="0">
                 <a:solidFill>
                   <a:schemeClr val="bg1"/>
                 </a:solidFill>
-                <a:latin typeface="Aptos Display"/>
-                <a:ea typeface="Aptos Display"/>
-                <a:cs typeface="Aptos Display"/>
-              </a:rPr>
-              <a:t>6</a:t>
-            </a:r>
-            <a:r>
-              <a:rPr lang="en-GB" sz="4400" b="0" i="0" u="none" strike="noStrike" cap="none" spc="0">
-                <a:solidFill>
-                  <a:schemeClr val="bg1"/>
-                </a:solidFill>
-                <a:latin typeface="Aptos Display"/>
-                <a:ea typeface="Aptos Display"/>
-                <a:cs typeface="Aptos Display"/>
-              </a:rPr>
-              <a:t> – </a:t>
+                <a:latin typeface="+mj-lt"/>
+                <a:ea typeface="+mj-ea"/>
+                <a:cs typeface="+mj-cs"/>
+              </a:rPr>
+              <a:t>Pit Avoidance</a:t>
             </a:r>
             <a:r>
               <a:rPr lang="en-US" sz="4400" b="0" i="0" u="none" strike="noStrike" cap="none" spc="0">
                 <a:solidFill>
                   <a:schemeClr val="bg1"/>
                 </a:solidFill>
-                <a:latin typeface="Aptos Display"/>
-                <a:ea typeface="Arial"/>
-                <a:cs typeface="Arial"/>
-              </a:rPr>
-              <a:t>Pit Avoidance By IR Sensors</a:t>
+                <a:latin typeface="+mj-lt"/>
+                <a:ea typeface="+mj-ea"/>
+                <a:cs typeface="+mj-cs"/>
+              </a:rPr>
+              <a:t> by IR Sensors</a:t>
             </a:r>
             <a:endParaRPr/>
           </a:p>
@@ -9529,7 +9339,7 @@
       </p:sp>
       <p:sp>
         <p:nvSpPr>
-          <p:cNvPr id="1858589664" name="Content Placeholder 2"/>
+          <p:cNvPr id="431084041" name="Content Placeholder 2"/>
           <p:cNvSpPr>
             <a:spLocks noGrp="1"/>
           </p:cNvSpPr>
@@ -9957,7 +9767,7 @@
       </p:sp>
       <p:pic>
         <p:nvPicPr>
-          <p:cNvPr id="747517406" name="Picture 3"/>
+          <p:cNvPr id="1713240778" name="Picture 3"/>
           <p:cNvPicPr>
             <a:picLocks noChangeAspect="1"/>
           </p:cNvPicPr>
@@ -9979,7 +9789,7 @@
       </p:pic>
       <p:sp>
         <p:nvSpPr>
-          <p:cNvPr id="457494489" name=""/>
+          <p:cNvPr id="1235104702" name=""/>
           <p:cNvSpPr txBox="1"/>
           <p:nvPr/>
         </p:nvSpPr>
@@ -10047,7 +9857,7 @@
       </p:grpSpPr>
       <p:sp>
         <p:nvSpPr>
-          <p:cNvPr id="549499319" name="Title 1"/>
+          <p:cNvPr id="902712107" name="Title 1"/>
           <p:cNvSpPr>
             <a:spLocks noGrp="1"/>
           </p:cNvSpPr>
@@ -10069,48 +9879,26 @@
               <a:defRPr/>
             </a:pPr>
             <a:r>
-              <a:rPr lang="en-GB" sz="4400" b="0" i="0" u="none" strike="noStrike" cap="none" spc="0">
-                <a:solidFill>
-                  <a:schemeClr val="bg1"/>
-                </a:solidFill>
-                <a:latin typeface="Aptos Display"/>
-                <a:ea typeface="Aptos Display"/>
-                <a:cs typeface="Aptos Display"/>
-              </a:rPr>
-              <a:t>Lab Session </a:t>
-            </a:r>
-            <a:r>
               <a:rPr lang="en-US" sz="4400" b="0" i="0" u="none" strike="noStrike" cap="none" spc="0">
                 <a:solidFill>
                   <a:schemeClr val="bg1"/>
                 </a:solidFill>
-                <a:latin typeface="Aptos Display"/>
-                <a:ea typeface="Aptos Display"/>
-                <a:cs typeface="Aptos Display"/>
-              </a:rPr>
-              <a:t>6</a:t>
-            </a:r>
-            <a:r>
-              <a:rPr lang="en-GB" sz="4400" b="0" i="0" u="none" strike="noStrike" cap="none" spc="0">
-                <a:solidFill>
-                  <a:schemeClr val="bg1"/>
-                </a:solidFill>
-                <a:latin typeface="Aptos Display"/>
-                <a:ea typeface="Aptos Display"/>
-                <a:cs typeface="Aptos Display"/>
-              </a:rPr>
-              <a:t> – </a:t>
+                <a:latin typeface="+mj-lt"/>
+                <a:ea typeface="+mj-ea"/>
+                <a:cs typeface="+mj-cs"/>
+              </a:rPr>
+              <a:t>Pit Avoidance</a:t>
             </a:r>
             <a:r>
               <a:rPr lang="en-US" sz="4400" b="0" i="0" u="none" strike="noStrike" cap="none" spc="0">
                 <a:solidFill>
                   <a:schemeClr val="bg1"/>
                 </a:solidFill>
-                <a:latin typeface="Aptos Display"/>
-                <a:ea typeface="Arial"/>
-                <a:cs typeface="Arial"/>
-              </a:rPr>
-              <a:t>Pit Avoidance By IR Sensors</a:t>
+                <a:latin typeface="+mj-lt"/>
+                <a:ea typeface="+mj-ea"/>
+                <a:cs typeface="+mj-cs"/>
+              </a:rPr>
+              <a:t> by IR Sensors</a:t>
             </a:r>
             <a:endParaRPr/>
           </a:p>
@@ -10118,7 +9906,7 @@
       </p:sp>
       <p:sp>
         <p:nvSpPr>
-          <p:cNvPr id="1822750738" name="Content Placeholder 2"/>
+          <p:cNvPr id="537342002" name="Content Placeholder 2"/>
           <p:cNvSpPr>
             <a:spLocks noGrp="1"/>
           </p:cNvSpPr>
@@ -10128,7 +9916,7 @@
         </p:nvSpPr>
         <p:spPr bwMode="auto">
           <a:xfrm flipH="0" flipV="0">
-            <a:off x="295035" y="765122"/>
+            <a:off x="194069" y="836336"/>
             <a:ext cx="11620619" cy="5982712"/>
           </a:xfrm>
         </p:spPr>
@@ -10492,7 +10280,7 @@
       </p:sp>
       <p:pic>
         <p:nvPicPr>
-          <p:cNvPr id="1128863273" name="Picture 3"/>
+          <p:cNvPr id="719004425" name="Picture 3"/>
           <p:cNvPicPr>
             <a:picLocks noChangeAspect="1"/>
           </p:cNvPicPr>
@@ -10514,7 +10302,7 @@
       </p:pic>
       <p:sp>
         <p:nvSpPr>
-          <p:cNvPr id="1131418787" name=""/>
+          <p:cNvPr id="1933970370" name=""/>
           <p:cNvSpPr txBox="1"/>
           <p:nvPr/>
         </p:nvSpPr>
@@ -10582,7 +10370,7 @@
       </p:grpSpPr>
       <p:sp>
         <p:nvSpPr>
-          <p:cNvPr id="811191785" name="Title 1"/>
+          <p:cNvPr id="1501982750" name="Title 1"/>
           <p:cNvSpPr>
             <a:spLocks noGrp="1"/>
           </p:cNvSpPr>
@@ -10592,7 +10380,7 @@
         </p:nvSpPr>
         <p:spPr bwMode="auto">
           <a:xfrm>
-            <a:off x="-32874" y="-232066"/>
+            <a:off x="194069" y="-232065"/>
             <a:ext cx="10515600" cy="1325560"/>
           </a:xfrm>
         </p:spPr>
@@ -10604,48 +10392,26 @@
               <a:defRPr/>
             </a:pPr>
             <a:r>
-              <a:rPr lang="en-GB" sz="4400" b="0" i="0" u="none" strike="noStrike" cap="none" spc="0">
-                <a:solidFill>
-                  <a:schemeClr val="bg1"/>
-                </a:solidFill>
-                <a:latin typeface="Aptos Display"/>
-                <a:ea typeface="Aptos Display"/>
-                <a:cs typeface="Aptos Display"/>
-              </a:rPr>
-              <a:t>Lab Session </a:t>
-            </a:r>
-            <a:r>
               <a:rPr lang="en-US" sz="4400" b="0" i="0" u="none" strike="noStrike" cap="none" spc="0">
                 <a:solidFill>
                   <a:schemeClr val="bg1"/>
                 </a:solidFill>
-                <a:latin typeface="Aptos Display"/>
-                <a:ea typeface="Aptos Display"/>
-                <a:cs typeface="Aptos Display"/>
-              </a:rPr>
-              <a:t>6</a:t>
-            </a:r>
-            <a:r>
-              <a:rPr lang="en-GB" sz="4400" b="0" i="0" u="none" strike="noStrike" cap="none" spc="0">
-                <a:solidFill>
-                  <a:schemeClr val="bg1"/>
-                </a:solidFill>
-                <a:latin typeface="Aptos Display"/>
-                <a:ea typeface="Aptos Display"/>
-                <a:cs typeface="Aptos Display"/>
-              </a:rPr>
-              <a:t> – </a:t>
+                <a:latin typeface="+mj-lt"/>
+                <a:ea typeface="+mj-ea"/>
+                <a:cs typeface="+mj-cs"/>
+              </a:rPr>
+              <a:t>Pit Avoidance</a:t>
             </a:r>
             <a:r>
               <a:rPr lang="en-US" sz="4400" b="0" i="0" u="none" strike="noStrike" cap="none" spc="0">
                 <a:solidFill>
                   <a:schemeClr val="bg1"/>
                 </a:solidFill>
-                <a:latin typeface="Aptos Display"/>
-                <a:ea typeface="Arial"/>
-                <a:cs typeface="Arial"/>
-              </a:rPr>
-              <a:t>Pit Avoidance By IR Sensors</a:t>
+                <a:latin typeface="+mj-lt"/>
+                <a:ea typeface="+mj-ea"/>
+                <a:cs typeface="+mj-cs"/>
+              </a:rPr>
+              <a:t> by IR Sensors</a:t>
             </a:r>
             <a:endParaRPr/>
           </a:p>
@@ -10653,7 +10419,7 @@
       </p:sp>
       <p:sp>
         <p:nvSpPr>
-          <p:cNvPr id="87701589" name="Content Placeholder 2"/>
+          <p:cNvPr id="1737625841" name="Content Placeholder 2"/>
           <p:cNvSpPr>
             <a:spLocks noGrp="1"/>
           </p:cNvSpPr>
@@ -10663,7 +10429,7 @@
         </p:nvSpPr>
         <p:spPr bwMode="auto">
           <a:xfrm flipH="0" flipV="0">
-            <a:off x="295035" y="765122"/>
+            <a:off x="194069" y="836336"/>
             <a:ext cx="11620619" cy="5982712"/>
           </a:xfrm>
         </p:spPr>
@@ -11029,7 +10795,7 @@
       </p:sp>
       <p:pic>
         <p:nvPicPr>
-          <p:cNvPr id="15417487" name="Picture 3"/>
+          <p:cNvPr id="1557525421" name="Picture 3"/>
           <p:cNvPicPr>
             <a:picLocks noChangeAspect="1"/>
           </p:cNvPicPr>
@@ -11051,7 +10817,7 @@
       </p:pic>
       <p:sp>
         <p:nvSpPr>
-          <p:cNvPr id="475959397" name=""/>
+          <p:cNvPr id="848856759" name=""/>
           <p:cNvSpPr txBox="1"/>
           <p:nvPr/>
         </p:nvSpPr>
@@ -11119,7 +10885,7 @@
       </p:grpSpPr>
       <p:sp>
         <p:nvSpPr>
-          <p:cNvPr id="1114889111" name="Title 1"/>
+          <p:cNvPr id="241397464" name="Title 1"/>
           <p:cNvSpPr>
             <a:spLocks noGrp="1"/>
           </p:cNvSpPr>
@@ -11141,48 +10907,26 @@
               <a:defRPr/>
             </a:pPr>
             <a:r>
-              <a:rPr lang="en-GB" sz="4400" b="0" i="0" u="none" strike="noStrike" cap="none" spc="0">
-                <a:solidFill>
-                  <a:schemeClr val="bg1"/>
-                </a:solidFill>
-                <a:latin typeface="Aptos Display"/>
-                <a:ea typeface="Aptos Display"/>
-                <a:cs typeface="Aptos Display"/>
-              </a:rPr>
-              <a:t>Lab Session </a:t>
-            </a:r>
-            <a:r>
               <a:rPr lang="en-US" sz="4400" b="0" i="0" u="none" strike="noStrike" cap="none" spc="0">
                 <a:solidFill>
                   <a:schemeClr val="bg1"/>
                 </a:solidFill>
-                <a:latin typeface="Aptos Display"/>
-                <a:ea typeface="Aptos Display"/>
-                <a:cs typeface="Aptos Display"/>
-              </a:rPr>
-              <a:t>6</a:t>
-            </a:r>
-            <a:r>
-              <a:rPr lang="en-GB" sz="4400" b="0" i="0" u="none" strike="noStrike" cap="none" spc="0">
-                <a:solidFill>
-                  <a:schemeClr val="bg1"/>
-                </a:solidFill>
-                <a:latin typeface="Aptos Display"/>
-                <a:ea typeface="Aptos Display"/>
-                <a:cs typeface="Aptos Display"/>
-              </a:rPr>
-              <a:t> – </a:t>
+                <a:latin typeface="+mj-lt"/>
+                <a:ea typeface="+mj-ea"/>
+                <a:cs typeface="+mj-cs"/>
+              </a:rPr>
+              <a:t>Pit Avoidance</a:t>
             </a:r>
             <a:r>
               <a:rPr lang="en-US" sz="4400" b="0" i="0" u="none" strike="noStrike" cap="none" spc="0">
                 <a:solidFill>
                   <a:schemeClr val="bg1"/>
                 </a:solidFill>
-                <a:latin typeface="Aptos Display"/>
-                <a:ea typeface="Arial"/>
-                <a:cs typeface="Arial"/>
-              </a:rPr>
-              <a:t>Pit Avoidance By IR Sensors</a:t>
+                <a:latin typeface="+mj-lt"/>
+                <a:ea typeface="+mj-ea"/>
+                <a:cs typeface="+mj-cs"/>
+              </a:rPr>
+              <a:t> by IR Sensors</a:t>
             </a:r>
             <a:endParaRPr/>
           </a:p>
@@ -11190,7 +10934,7 @@
       </p:sp>
       <p:sp>
         <p:nvSpPr>
-          <p:cNvPr id="836338621" name="Content Placeholder 2"/>
+          <p:cNvPr id="146898444" name="Content Placeholder 2"/>
           <p:cNvSpPr>
             <a:spLocks noGrp="1"/>
           </p:cNvSpPr>
@@ -11587,7 +11331,7 @@
       </p:sp>
       <p:pic>
         <p:nvPicPr>
-          <p:cNvPr id="293140366" name="Picture 3"/>
+          <p:cNvPr id="1591788169" name="Picture 3"/>
           <p:cNvPicPr>
             <a:picLocks noChangeAspect="1"/>
           </p:cNvPicPr>
@@ -11609,7 +11353,7 @@
       </p:pic>
       <p:sp>
         <p:nvSpPr>
-          <p:cNvPr id="1279345589" name=""/>
+          <p:cNvPr id="721724636" name=""/>
           <p:cNvSpPr txBox="1"/>
           <p:nvPr/>
         </p:nvSpPr>
@@ -11677,7 +11421,7 @@
       </p:grpSpPr>
       <p:sp>
         <p:nvSpPr>
-          <p:cNvPr id="1086596944" name="Title 1"/>
+          <p:cNvPr id="1367338166" name="Title 1"/>
           <p:cNvSpPr>
             <a:spLocks noGrp="1"/>
           </p:cNvSpPr>
@@ -11687,7 +11431,7 @@
         </p:nvSpPr>
         <p:spPr bwMode="auto">
           <a:xfrm>
-            <a:off x="-36227" y="42549"/>
+            <a:off x="319847" y="-19764"/>
             <a:ext cx="10515600" cy="1325562"/>
           </a:xfrm>
         </p:spPr>
@@ -11699,45 +11443,26 @@
               <a:defRPr/>
             </a:pPr>
             <a:r>
-              <a:rPr lang="en-GB">
-                <a:solidFill>
-                  <a:schemeClr val="bg1"/>
-                </a:solidFill>
-                <a:latin typeface="Aptos Display"/>
-                <a:ea typeface="Aptos Display"/>
-                <a:cs typeface="Aptos Display"/>
-              </a:rPr>
-              <a:t>Lab Session </a:t>
-            </a:r>
-            <a:r>
-              <a:rPr lang="en-US">
-                <a:solidFill>
-                  <a:schemeClr val="bg1"/>
-                </a:solidFill>
-                <a:latin typeface="Aptos Display"/>
-                <a:ea typeface="Aptos Display"/>
-                <a:cs typeface="Aptos Display"/>
-              </a:rPr>
-              <a:t>6</a:t>
-            </a:r>
-            <a:r>
-              <a:rPr lang="en-GB">
-                <a:solidFill>
-                  <a:schemeClr val="bg1"/>
-                </a:solidFill>
-                <a:latin typeface="Aptos Display"/>
-                <a:ea typeface="Aptos Display"/>
-                <a:cs typeface="Aptos Display"/>
-              </a:rPr>
-              <a:t> – </a:t>
-            </a:r>
-            <a:r>
-              <a:rPr>
-                <a:solidFill>
-                  <a:schemeClr val="bg1"/>
-                </a:solidFill>
-              </a:rPr>
-              <a:t>Pit Avoidance By IR Sensors</a:t>
+              <a:rPr lang="en-US" sz="4400" b="0" i="0" u="none" strike="noStrike" cap="none" spc="0">
+                <a:solidFill>
+                  <a:schemeClr val="bg1"/>
+                </a:solidFill>
+                <a:latin typeface="+mj-lt"/>
+                <a:ea typeface="+mj-ea"/>
+                <a:cs typeface="+mj-cs"/>
+              </a:rPr>
+              <a:t>Pit Avoidance</a:t>
+            </a:r>
+            <a:r>
+              <a:rPr lang="en-US" sz="4400" b="0" i="0" u="none" strike="noStrike" cap="none" spc="0">
+                <a:solidFill>
+                  <a:schemeClr val="bg1"/>
+                </a:solidFill>
+                <a:latin typeface="+mj-lt"/>
+                <a:ea typeface="+mj-ea"/>
+                <a:cs typeface="+mj-cs"/>
+              </a:rPr>
+              <a:t> by IR Sensors</a:t>
             </a:r>
             <a:endParaRPr/>
           </a:p>
@@ -11745,7 +11470,7 @@
       </p:sp>
       <p:sp>
         <p:nvSpPr>
-          <p:cNvPr id="1552784897" name="Content Placeholder 2"/>
+          <p:cNvPr id="206649670" name="Content Placeholder 2"/>
           <p:cNvSpPr>
             <a:spLocks noGrp="1"/>
           </p:cNvSpPr>
@@ -11755,13 +11480,13 @@
         </p:nvSpPr>
         <p:spPr bwMode="auto">
           <a:xfrm flipH="0" flipV="0">
-            <a:off x="646551" y="1513315"/>
-            <a:ext cx="10898892" cy="5216643"/>
+            <a:off x="241261" y="1219555"/>
+            <a:ext cx="11304181" cy="5510401"/>
           </a:xfrm>
         </p:spPr>
         <p:txBody>
           <a:bodyPr vertOverflow="overflow" horzOverflow="overflow" vert="horz" wrap="square" lIns="91440" tIns="45720" rIns="91440" bIns="45720" numCol="1" spcCol="0" rtlCol="0" fromWordArt="0" anchor="t" anchorCtr="0" forceAA="0" upright="0" compatLnSpc="0">
-            <a:normAutofit fontScale="85000" lnSpcReduction="3000"/>
+            <a:normAutofit fontScale="95000" lnSpcReduction="1000"/>
           </a:bodyPr>
           <a:lstStyle/>
           <a:p>
@@ -12040,7 +11765,7 @@
       </p:sp>
       <p:pic>
         <p:nvPicPr>
-          <p:cNvPr id="88171107" name="Picture 3"/>
+          <p:cNvPr id="2085933" name="Picture 3"/>
           <p:cNvPicPr>
             <a:picLocks noChangeAspect="1"/>
           </p:cNvPicPr>
@@ -12102,7 +11827,7 @@
       </p:grpSpPr>
       <p:sp>
         <p:nvSpPr>
-          <p:cNvPr id="1788369664" name="Title 1"/>
+          <p:cNvPr id="663774455" name="Title 1"/>
           <p:cNvSpPr>
             <a:spLocks noGrp="1"/>
           </p:cNvSpPr>
@@ -12124,48 +11849,26 @@
               <a:defRPr/>
             </a:pPr>
             <a:r>
-              <a:rPr lang="en-GB" sz="4400" b="0" i="0" u="none" strike="noStrike" cap="none" spc="0">
-                <a:solidFill>
-                  <a:schemeClr val="bg1"/>
-                </a:solidFill>
-                <a:latin typeface="Aptos Display"/>
-                <a:ea typeface="Aptos Display"/>
-                <a:cs typeface="Aptos Display"/>
-              </a:rPr>
-              <a:t>Lab Session </a:t>
-            </a:r>
-            <a:r>
               <a:rPr lang="en-US" sz="4400" b="0" i="0" u="none" strike="noStrike" cap="none" spc="0">
                 <a:solidFill>
                   <a:schemeClr val="bg1"/>
                 </a:solidFill>
-                <a:latin typeface="Aptos Display"/>
-                <a:ea typeface="Aptos Display"/>
-                <a:cs typeface="Aptos Display"/>
-              </a:rPr>
-              <a:t>6</a:t>
-            </a:r>
-            <a:r>
-              <a:rPr lang="en-GB" sz="4400" b="0" i="0" u="none" strike="noStrike" cap="none" spc="0">
-                <a:solidFill>
-                  <a:schemeClr val="bg1"/>
-                </a:solidFill>
-                <a:latin typeface="Aptos Display"/>
-                <a:ea typeface="Aptos Display"/>
-                <a:cs typeface="Aptos Display"/>
-              </a:rPr>
-              <a:t> – </a:t>
+                <a:latin typeface="+mj-lt"/>
+                <a:ea typeface="+mj-ea"/>
+                <a:cs typeface="+mj-cs"/>
+              </a:rPr>
+              <a:t>Pit Avoidance</a:t>
             </a:r>
             <a:r>
               <a:rPr lang="en-US" sz="4400" b="0" i="0" u="none" strike="noStrike" cap="none" spc="0">
                 <a:solidFill>
                   <a:schemeClr val="bg1"/>
                 </a:solidFill>
-                <a:latin typeface="Aptos Display"/>
-                <a:ea typeface="Arial"/>
-                <a:cs typeface="Arial"/>
-              </a:rPr>
-              <a:t>Pit Avoidance By IR Sensors</a:t>
+                <a:latin typeface="+mj-lt"/>
+                <a:ea typeface="+mj-ea"/>
+                <a:cs typeface="+mj-cs"/>
+              </a:rPr>
+              <a:t> by IR Sensors</a:t>
             </a:r>
             <a:endParaRPr/>
           </a:p>
@@ -12173,7 +11876,7 @@
       </p:sp>
       <p:sp>
         <p:nvSpPr>
-          <p:cNvPr id="1410981697" name="Content Placeholder 2"/>
+          <p:cNvPr id="458496454" name="Content Placeholder 2"/>
           <p:cNvSpPr>
             <a:spLocks noGrp="1"/>
           </p:cNvSpPr>
@@ -12220,7 +11923,7 @@
       </p:sp>
       <p:pic>
         <p:nvPicPr>
-          <p:cNvPr id="820378377" name="Picture 3"/>
+          <p:cNvPr id="744118874" name="Picture 3"/>
           <p:cNvPicPr>
             <a:picLocks noChangeAspect="1"/>
           </p:cNvPicPr>
@@ -12242,7 +11945,7 @@
       </p:pic>
       <p:sp>
         <p:nvSpPr>
-          <p:cNvPr id="1069100226" name=""/>
+          <p:cNvPr id="425404579" name=""/>
           <p:cNvSpPr txBox="1"/>
           <p:nvPr/>
         </p:nvSpPr>
@@ -12270,7 +11973,7 @@
       </p:sp>
       <p:graphicFrame>
         <p:nvGraphicFramePr>
-          <p:cNvPr id="36134663" name=""/>
+          <p:cNvPr id="382656822" name=""/>
           <p:cNvGraphicFramePr>
             <a:graphicFrameLocks xmlns:a="http://schemas.openxmlformats.org/drawingml/2006/main"/>
           </p:cNvGraphicFramePr>
@@ -15593,7 +15296,7 @@
       </p:grpSpPr>
       <p:sp>
         <p:nvSpPr>
-          <p:cNvPr id="1929322788" name="Title 1"/>
+          <p:cNvPr id="612504131" name="Title 1"/>
           <p:cNvSpPr>
             <a:spLocks noGrp="1"/>
           </p:cNvSpPr>
@@ -15615,48 +15318,26 @@
               <a:defRPr/>
             </a:pPr>
             <a:r>
-              <a:rPr lang="en-GB" sz="4400" b="0" i="0" u="none" strike="noStrike" cap="none" spc="0">
-                <a:solidFill>
-                  <a:schemeClr val="bg1"/>
-                </a:solidFill>
-                <a:latin typeface="Aptos Display"/>
-                <a:ea typeface="Aptos Display"/>
-                <a:cs typeface="Aptos Display"/>
-              </a:rPr>
-              <a:t>Lab Session </a:t>
-            </a:r>
-            <a:r>
               <a:rPr lang="en-US" sz="4400" b="0" i="0" u="none" strike="noStrike" cap="none" spc="0">
                 <a:solidFill>
                   <a:schemeClr val="bg1"/>
                 </a:solidFill>
-                <a:latin typeface="Aptos Display"/>
-                <a:ea typeface="Aptos Display"/>
-                <a:cs typeface="Aptos Display"/>
-              </a:rPr>
-              <a:t>6</a:t>
-            </a:r>
-            <a:r>
-              <a:rPr lang="en-GB" sz="4400" b="0" i="0" u="none" strike="noStrike" cap="none" spc="0">
-                <a:solidFill>
-                  <a:schemeClr val="bg1"/>
-                </a:solidFill>
-                <a:latin typeface="Aptos Display"/>
-                <a:ea typeface="Aptos Display"/>
-                <a:cs typeface="Aptos Display"/>
-              </a:rPr>
-              <a:t> – </a:t>
+                <a:latin typeface="+mj-lt"/>
+                <a:ea typeface="+mj-ea"/>
+                <a:cs typeface="+mj-cs"/>
+              </a:rPr>
+              <a:t>Pit Avoidance</a:t>
             </a:r>
             <a:r>
               <a:rPr lang="en-US" sz="4400" b="0" i="0" u="none" strike="noStrike" cap="none" spc="0">
                 <a:solidFill>
                   <a:schemeClr val="bg1"/>
                 </a:solidFill>
-                <a:latin typeface="Aptos Display"/>
-                <a:ea typeface="Arial"/>
-                <a:cs typeface="Arial"/>
-              </a:rPr>
-              <a:t>Pit Avoidance By IR Sensors</a:t>
+                <a:latin typeface="+mj-lt"/>
+                <a:ea typeface="+mj-ea"/>
+                <a:cs typeface="+mj-cs"/>
+              </a:rPr>
+              <a:t> by IR Sensors</a:t>
             </a:r>
             <a:endParaRPr/>
           </a:p>
@@ -15664,7 +15345,7 @@
       </p:sp>
       <p:sp>
         <p:nvSpPr>
-          <p:cNvPr id="1772603219" name="Content Placeholder 2"/>
+          <p:cNvPr id="813594565" name="Content Placeholder 2"/>
           <p:cNvSpPr>
             <a:spLocks noGrp="1"/>
           </p:cNvSpPr>
@@ -15713,7 +15394,7 @@
       </p:sp>
       <p:pic>
         <p:nvPicPr>
-          <p:cNvPr id="1438695873" name="Picture 3"/>
+          <p:cNvPr id="1036215200" name="Picture 3"/>
           <p:cNvPicPr>
             <a:picLocks noChangeAspect="1"/>
           </p:cNvPicPr>
@@ -15735,14 +15416,14 @@
       </p:pic>
       <p:sp>
         <p:nvSpPr>
-          <p:cNvPr id="898950623" name=""/>
+          <p:cNvPr id="476363192" name=""/>
           <p:cNvSpPr txBox="1"/>
           <p:nvPr/>
         </p:nvSpPr>
         <p:spPr bwMode="auto">
           <a:xfrm flipH="0" flipV="0">
             <a:off x="6004378" y="3246120"/>
-            <a:ext cx="183240" cy="365757"/>
+            <a:ext cx="183240" cy="365756"/>
           </a:xfrm>
           <a:prstGeom prst="rect">
             <a:avLst/>
@@ -15763,7 +15444,7 @@
       </p:sp>
       <p:pic>
         <p:nvPicPr>
-          <p:cNvPr id="1884885020" name=""/>
+          <p:cNvPr id="1166813836" name=""/>
           <p:cNvPicPr>
             <a:picLocks noChangeAspect="1"/>
           </p:cNvPicPr>
@@ -15775,8 +15456,8 @@
         </p:blipFill>
         <p:spPr bwMode="auto">
           <a:xfrm flipH="0" flipV="0">
-            <a:off x="3399291" y="656498"/>
-            <a:ext cx="5210174" cy="6080368"/>
+            <a:off x="3399290" y="979205"/>
+            <a:ext cx="5210173" cy="5757660"/>
           </a:xfrm>
           <a:prstGeom prst="rect">
             <a:avLst/>
@@ -15825,7 +15506,7 @@
       </p:grpSpPr>
       <p:sp>
         <p:nvSpPr>
-          <p:cNvPr id="2046112091" name="Title 1"/>
+          <p:cNvPr id="1423204987" name="Title 1"/>
           <p:cNvSpPr>
             <a:spLocks noGrp="1"/>
           </p:cNvSpPr>
@@ -15847,48 +15528,26 @@
               <a:defRPr/>
             </a:pPr>
             <a:r>
-              <a:rPr lang="en-GB" sz="4400" b="0" i="0" u="none" strike="noStrike" cap="none" spc="0">
-                <a:solidFill>
-                  <a:schemeClr val="bg1"/>
-                </a:solidFill>
-                <a:latin typeface="Aptos Display"/>
-                <a:ea typeface="Aptos Display"/>
-                <a:cs typeface="Aptos Display"/>
-              </a:rPr>
-              <a:t>Lab Session </a:t>
-            </a:r>
-            <a:r>
               <a:rPr lang="en-US" sz="4400" b="0" i="0" u="none" strike="noStrike" cap="none" spc="0">
                 <a:solidFill>
                   <a:schemeClr val="bg1"/>
                 </a:solidFill>
-                <a:latin typeface="Aptos Display"/>
-                <a:ea typeface="Aptos Display"/>
-                <a:cs typeface="Aptos Display"/>
-              </a:rPr>
-              <a:t>6</a:t>
-            </a:r>
-            <a:r>
-              <a:rPr lang="en-GB" sz="4400" b="0" i="0" u="none" strike="noStrike" cap="none" spc="0">
-                <a:solidFill>
-                  <a:schemeClr val="bg1"/>
-                </a:solidFill>
-                <a:latin typeface="Aptos Display"/>
-                <a:ea typeface="Aptos Display"/>
-                <a:cs typeface="Aptos Display"/>
-              </a:rPr>
-              <a:t> – </a:t>
+                <a:latin typeface="+mj-lt"/>
+                <a:ea typeface="+mj-ea"/>
+                <a:cs typeface="+mj-cs"/>
+              </a:rPr>
+              <a:t>Pit Avoidance</a:t>
             </a:r>
             <a:r>
               <a:rPr lang="en-US" sz="4400" b="0" i="0" u="none" strike="noStrike" cap="none" spc="0">
                 <a:solidFill>
                   <a:schemeClr val="bg1"/>
                 </a:solidFill>
-                <a:latin typeface="Aptos Display"/>
-                <a:ea typeface="Arial"/>
-                <a:cs typeface="Arial"/>
-              </a:rPr>
-              <a:t>Pit Avoidance By IR Sensors</a:t>
+                <a:latin typeface="+mj-lt"/>
+                <a:ea typeface="+mj-ea"/>
+                <a:cs typeface="+mj-cs"/>
+              </a:rPr>
+              <a:t> by IR Sensors</a:t>
             </a:r>
             <a:endParaRPr/>
           </a:p>
@@ -15896,7 +15555,7 @@
       </p:sp>
       <p:sp>
         <p:nvSpPr>
-          <p:cNvPr id="423512103" name="Content Placeholder 2"/>
+          <p:cNvPr id="1813905564" name="Content Placeholder 2"/>
           <p:cNvSpPr>
             <a:spLocks noGrp="1"/>
           </p:cNvSpPr>
@@ -15967,7 +15626,7 @@
       </p:sp>
       <p:pic>
         <p:nvPicPr>
-          <p:cNvPr id="191803458" name="Picture 3"/>
+          <p:cNvPr id="1435306472" name="Picture 3"/>
           <p:cNvPicPr>
             <a:picLocks noChangeAspect="1"/>
           </p:cNvPicPr>
@@ -15989,14 +15648,14 @@
       </p:pic>
       <p:sp>
         <p:nvSpPr>
-          <p:cNvPr id="982574045" name=""/>
+          <p:cNvPr id="1081752141" name=""/>
           <p:cNvSpPr txBox="1"/>
           <p:nvPr/>
         </p:nvSpPr>
         <p:spPr bwMode="auto">
           <a:xfrm flipH="0" flipV="0">
             <a:off x="6004378" y="3246120"/>
-            <a:ext cx="183240" cy="365757"/>
+            <a:ext cx="183240" cy="365756"/>
           </a:xfrm>
           <a:prstGeom prst="rect">
             <a:avLst/>
@@ -16017,7 +15676,7 @@
       </p:sp>
       <p:pic>
         <p:nvPicPr>
-          <p:cNvPr id="664192207" name=""/>
+          <p:cNvPr id="842364510" name=""/>
           <p:cNvPicPr>
             <a:picLocks noChangeAspect="1"/>
           </p:cNvPicPr>
@@ -16039,7 +15698,7 @@
       </p:pic>
       <p:sp>
         <p:nvSpPr>
-          <p:cNvPr id="301931716" name=""/>
+          <p:cNvPr id="1862455686" name=""/>
           <p:cNvSpPr/>
           <p:nvPr/>
         </p:nvSpPr>
@@ -16115,7 +15774,7 @@
       </p:grpSpPr>
       <p:sp>
         <p:nvSpPr>
-          <p:cNvPr id="715345992" name="Title 1"/>
+          <p:cNvPr id="1864020001" name="Title 1"/>
           <p:cNvSpPr>
             <a:spLocks noGrp="1"/>
           </p:cNvSpPr>
@@ -16137,48 +15796,26 @@
               <a:defRPr/>
             </a:pPr>
             <a:r>
-              <a:rPr lang="en-GB" sz="4400" b="0" i="0" u="none" strike="noStrike" cap="none" spc="0">
-                <a:solidFill>
-                  <a:schemeClr val="bg1"/>
-                </a:solidFill>
-                <a:latin typeface="Aptos Display"/>
-                <a:ea typeface="Aptos Display"/>
-                <a:cs typeface="Aptos Display"/>
-              </a:rPr>
-              <a:t>Lab Session </a:t>
-            </a:r>
-            <a:r>
               <a:rPr lang="en-US" sz="4400" b="0" i="0" u="none" strike="noStrike" cap="none" spc="0">
                 <a:solidFill>
                   <a:schemeClr val="bg1"/>
                 </a:solidFill>
-                <a:latin typeface="Aptos Display"/>
-                <a:ea typeface="Aptos Display"/>
-                <a:cs typeface="Aptos Display"/>
-              </a:rPr>
-              <a:t>6</a:t>
-            </a:r>
-            <a:r>
-              <a:rPr lang="en-GB" sz="4400" b="0" i="0" u="none" strike="noStrike" cap="none" spc="0">
-                <a:solidFill>
-                  <a:schemeClr val="bg1"/>
-                </a:solidFill>
-                <a:latin typeface="Aptos Display"/>
-                <a:ea typeface="Aptos Display"/>
-                <a:cs typeface="Aptos Display"/>
-              </a:rPr>
-              <a:t> – </a:t>
+                <a:latin typeface="+mj-lt"/>
+                <a:ea typeface="+mj-ea"/>
+                <a:cs typeface="+mj-cs"/>
+              </a:rPr>
+              <a:t>Pit Avoidance</a:t>
             </a:r>
             <a:r>
               <a:rPr lang="en-US" sz="4400" b="0" i="0" u="none" strike="noStrike" cap="none" spc="0">
                 <a:solidFill>
                   <a:schemeClr val="bg1"/>
                 </a:solidFill>
-                <a:latin typeface="Aptos Display"/>
-                <a:ea typeface="Arial"/>
-                <a:cs typeface="Arial"/>
-              </a:rPr>
-              <a:t>Pit Avoidance By IR Sensors</a:t>
+                <a:latin typeface="+mj-lt"/>
+                <a:ea typeface="+mj-ea"/>
+                <a:cs typeface="+mj-cs"/>
+              </a:rPr>
+              <a:t> by IR Sensors</a:t>
             </a:r>
             <a:endParaRPr/>
           </a:p>
@@ -16186,7 +15823,7 @@
       </p:sp>
       <p:sp>
         <p:nvSpPr>
-          <p:cNvPr id="1825229145" name="Content Placeholder 2"/>
+          <p:cNvPr id="155681559" name="Content Placeholder 2"/>
           <p:cNvSpPr>
             <a:spLocks noGrp="1"/>
           </p:cNvSpPr>
@@ -16268,7 +15905,7 @@
       </p:sp>
       <p:pic>
         <p:nvPicPr>
-          <p:cNvPr id="913928187" name="Picture 3"/>
+          <p:cNvPr id="864611912" name="Picture 3"/>
           <p:cNvPicPr>
             <a:picLocks noChangeAspect="1"/>
           </p:cNvPicPr>
@@ -16290,14 +15927,14 @@
       </p:pic>
       <p:sp>
         <p:nvSpPr>
-          <p:cNvPr id="802760707" name=""/>
+          <p:cNvPr id="111433894" name=""/>
           <p:cNvSpPr txBox="1"/>
           <p:nvPr/>
         </p:nvSpPr>
         <p:spPr bwMode="auto">
           <a:xfrm flipH="0" flipV="0">
             <a:off x="6004378" y="3246120"/>
-            <a:ext cx="183240" cy="365757"/>
+            <a:ext cx="183240" cy="365756"/>
           </a:xfrm>
           <a:prstGeom prst="rect">
             <a:avLst/>
@@ -16318,7 +15955,7 @@
       </p:sp>
       <p:sp>
         <p:nvSpPr>
-          <p:cNvPr id="671062848" name=""/>
+          <p:cNvPr id="765900829" name=""/>
           <p:cNvSpPr/>
           <p:nvPr/>
         </p:nvSpPr>
@@ -16365,7 +16002,7 @@
       </p:sp>
       <p:pic>
         <p:nvPicPr>
-          <p:cNvPr id="1734576295" name=""/>
+          <p:cNvPr id="414698575" name=""/>
           <p:cNvPicPr>
             <a:picLocks noChangeAspect="1"/>
           </p:cNvPicPr>
@@ -16377,8 +16014,8 @@
         </p:blipFill>
         <p:spPr bwMode="auto">
           <a:xfrm flipH="0" flipV="0">
-            <a:off x="6187618" y="774237"/>
-            <a:ext cx="4352924" cy="5867345"/>
+            <a:off x="6187617" y="979205"/>
+            <a:ext cx="4352923" cy="5662376"/>
           </a:xfrm>
           <a:prstGeom prst="rect">
             <a:avLst/>
@@ -16427,7 +16064,7 @@
       </p:grpSpPr>
       <p:sp>
         <p:nvSpPr>
-          <p:cNvPr id="832156296" name="Title 1"/>
+          <p:cNvPr id="104838508" name="Title 1"/>
           <p:cNvSpPr>
             <a:spLocks noGrp="1"/>
           </p:cNvSpPr>
@@ -16437,7 +16074,7 @@
         </p:nvSpPr>
         <p:spPr bwMode="auto">
           <a:xfrm>
-            <a:off x="731377" y="156101"/>
+            <a:off x="410909" y="42549"/>
             <a:ext cx="10515600" cy="1325562"/>
           </a:xfrm>
         </p:spPr>
@@ -16449,48 +16086,26 @@
               <a:defRPr/>
             </a:pPr>
             <a:r>
-              <a:rPr lang="en-GB" sz="4400" b="0" i="0" u="none" strike="noStrike" cap="none" spc="0">
-                <a:solidFill>
-                  <a:schemeClr val="bg1"/>
-                </a:solidFill>
-                <a:latin typeface="Aptos Display"/>
-                <a:ea typeface="Aptos Display"/>
-                <a:cs typeface="Aptos Display"/>
-              </a:rPr>
-              <a:t>Lab Session </a:t>
-            </a:r>
-            <a:r>
               <a:rPr lang="en-US" sz="4400" b="0" i="0" u="none" strike="noStrike" cap="none" spc="0">
                 <a:solidFill>
                   <a:schemeClr val="bg1"/>
                 </a:solidFill>
-                <a:latin typeface="Aptos Display"/>
-                <a:ea typeface="Aptos Display"/>
-                <a:cs typeface="Aptos Display"/>
-              </a:rPr>
-              <a:t>6</a:t>
-            </a:r>
-            <a:r>
-              <a:rPr lang="en-GB" sz="4400" b="0" i="0" u="none" strike="noStrike" cap="none" spc="0">
-                <a:solidFill>
-                  <a:schemeClr val="bg1"/>
-                </a:solidFill>
-                <a:latin typeface="Aptos Display"/>
-                <a:ea typeface="Aptos Display"/>
-                <a:cs typeface="Aptos Display"/>
-              </a:rPr>
-              <a:t> – </a:t>
+                <a:latin typeface="+mj-lt"/>
+                <a:ea typeface="+mj-ea"/>
+                <a:cs typeface="+mj-cs"/>
+              </a:rPr>
+              <a:t>Pit Avoidance</a:t>
             </a:r>
             <a:r>
               <a:rPr lang="en-US" sz="4400" b="0" i="0" u="none" strike="noStrike" cap="none" spc="0">
                 <a:solidFill>
                   <a:schemeClr val="bg1"/>
                 </a:solidFill>
-                <a:latin typeface="Aptos Display"/>
-                <a:ea typeface="Arial"/>
-                <a:cs typeface="Arial"/>
-              </a:rPr>
-              <a:t>Pit Avoidance By IR Sensors</a:t>
+                <a:latin typeface="+mj-lt"/>
+                <a:ea typeface="+mj-ea"/>
+                <a:cs typeface="+mj-cs"/>
+              </a:rPr>
+              <a:t> by IR Sensors</a:t>
             </a:r>
             <a:endParaRPr/>
           </a:p>
@@ -16498,7 +16113,7 @@
       </p:sp>
       <p:sp>
         <p:nvSpPr>
-          <p:cNvPr id="398304174" name="Content Placeholder 2"/>
+          <p:cNvPr id="1110851633" name="Content Placeholder 2"/>
           <p:cNvSpPr>
             <a:spLocks noGrp="1"/>
           </p:cNvSpPr>
@@ -16687,7 +16302,7 @@
       </p:sp>
       <p:pic>
         <p:nvPicPr>
-          <p:cNvPr id="220783812" name="Picture 3"/>
+          <p:cNvPr id="861422011" name="Picture 3"/>
           <p:cNvPicPr>
             <a:picLocks noChangeAspect="1"/>
           </p:cNvPicPr>
@@ -16749,7 +16364,7 @@
       </p:grpSpPr>
       <p:sp>
         <p:nvSpPr>
-          <p:cNvPr id="1824888239" name="Title 1"/>
+          <p:cNvPr id="1476666853" name="Title 1"/>
           <p:cNvSpPr>
             <a:spLocks noGrp="1"/>
           </p:cNvSpPr>
@@ -16759,7 +16374,7 @@
         </p:nvSpPr>
         <p:spPr bwMode="auto">
           <a:xfrm flipH="0" flipV="0">
-            <a:off x="118469" y="86631"/>
+            <a:off x="260898" y="-20191"/>
             <a:ext cx="10515600" cy="1237392"/>
           </a:xfrm>
         </p:spPr>
@@ -16773,39 +16388,6 @@
               <a:defRPr/>
             </a:pPr>
             <a:r>
-              <a:rPr lang="en-GB" sz="4400" b="0" i="0" u="none" strike="noStrike" cap="none" spc="0">
-                <a:solidFill>
-                  <a:schemeClr val="bg1"/>
-                </a:solidFill>
-                <a:latin typeface="Aptos Display"/>
-                <a:ea typeface="Aptos Display"/>
-                <a:cs typeface="Aptos Display"/>
-              </a:rPr>
-              <a:t>Lab Session </a:t>
-            </a:r>
-            <a:r>
-              <a:rPr lang="en-US" sz="4400" b="0" i="0" u="none" strike="noStrike" cap="none" spc="0">
-                <a:solidFill>
-                  <a:schemeClr val="bg1"/>
-                </a:solidFill>
-                <a:latin typeface="Aptos Display"/>
-                <a:ea typeface="Aptos Display"/>
-                <a:cs typeface="Aptos Display"/>
-              </a:rPr>
-              <a:t>6</a:t>
-            </a:r>
-            <a:r>
-              <a:rPr lang="en-GB" sz="4400" b="0" i="0" u="none" strike="noStrike" cap="none" spc="0">
-                <a:solidFill>
-                  <a:schemeClr val="bg1"/>
-                </a:solidFill>
-                <a:latin typeface="Aptos Display"/>
-                <a:ea typeface="Aptos Display"/>
-                <a:cs typeface="Aptos Display"/>
-              </a:rPr>
-              <a:t> – </a:t>
-            </a:r>
-            <a:r>
               <a:rPr lang="en-US" sz="4400" b="0" i="0" u="none" strike="noStrike" cap="none" spc="0">
                 <a:solidFill>
                   <a:schemeClr val="bg1"/>
@@ -16814,7 +16396,18 @@
                 <a:ea typeface="+mj-ea"/>
                 <a:cs typeface="+mj-cs"/>
               </a:rPr>
-              <a:t>Pit Avoidance By IR Sensors</a:t>
+              <a:t>Pit Avoidance</a:t>
+            </a:r>
+            <a:r>
+              <a:rPr lang="en-US" sz="4400" b="0" i="0" u="none" strike="noStrike" cap="none" spc="0">
+                <a:solidFill>
+                  <a:schemeClr val="bg1"/>
+                </a:solidFill>
+                <a:latin typeface="+mj-lt"/>
+                <a:ea typeface="+mj-ea"/>
+                <a:cs typeface="+mj-cs"/>
+              </a:rPr>
+              <a:t> by IR Sensors</a:t>
             </a:r>
             <a:endParaRPr/>
           </a:p>
@@ -16822,7 +16415,7 @@
       </p:sp>
       <p:sp>
         <p:nvSpPr>
-          <p:cNvPr id="692339302" name="Content Placeholder 2"/>
+          <p:cNvPr id="1329249581" name="Content Placeholder 2"/>
           <p:cNvSpPr>
             <a:spLocks noGrp="1"/>
           </p:cNvSpPr>
@@ -16869,7 +16462,7 @@
       </p:sp>
       <p:pic>
         <p:nvPicPr>
-          <p:cNvPr id="137481786" name="Picture 3"/>
+          <p:cNvPr id="560051868" name="Picture 3"/>
           <p:cNvPicPr>
             <a:picLocks noChangeAspect="1"/>
           </p:cNvPicPr>
@@ -16891,7 +16484,7 @@
       </p:pic>
       <p:pic>
         <p:nvPicPr>
-          <p:cNvPr id="910990096" name=""/>
+          <p:cNvPr id="1018600109" name=""/>
           <p:cNvPicPr>
             <a:picLocks noChangeAspect="1"/>
           </p:cNvPicPr>
@@ -16913,7 +16506,7 @@
       </p:pic>
       <p:sp>
         <p:nvSpPr>
-          <p:cNvPr id="1528021299" name=""/>
+          <p:cNvPr id="1911520060" name=""/>
           <p:cNvSpPr/>
           <p:nvPr/>
         </p:nvSpPr>
@@ -16948,7 +16541,7 @@
       </p:sp>
       <p:pic>
         <p:nvPicPr>
-          <p:cNvPr id="209476634" name=""/>
+          <p:cNvPr id="1976410439" name=""/>
           <p:cNvPicPr>
             <a:picLocks noChangeAspect="1"/>
           </p:cNvPicPr>
@@ -17010,7 +16603,7 @@
       </p:grpSpPr>
       <p:sp>
         <p:nvSpPr>
-          <p:cNvPr id="1918015482" name="Title 1"/>
+          <p:cNvPr id="181722225" name="Title 1"/>
           <p:cNvSpPr>
             <a:spLocks noGrp="1"/>
           </p:cNvSpPr>
@@ -17032,39 +16625,6 @@
               <a:defRPr/>
             </a:pPr>
             <a:r>
-              <a:rPr lang="en-GB" sz="4400" b="0" i="0" u="none" strike="noStrike" cap="none" spc="0">
-                <a:solidFill>
-                  <a:schemeClr val="bg1"/>
-                </a:solidFill>
-                <a:latin typeface="Aptos Display"/>
-                <a:ea typeface="Aptos Display"/>
-                <a:cs typeface="Aptos Display"/>
-              </a:rPr>
-              <a:t>Lab Session </a:t>
-            </a:r>
-            <a:r>
-              <a:rPr lang="en-US" sz="4400" b="0" i="0" u="none" strike="noStrike" cap="none" spc="0">
-                <a:solidFill>
-                  <a:schemeClr val="bg1"/>
-                </a:solidFill>
-                <a:latin typeface="Aptos Display"/>
-                <a:ea typeface="Aptos Display"/>
-                <a:cs typeface="Aptos Display"/>
-              </a:rPr>
-              <a:t>6</a:t>
-            </a:r>
-            <a:r>
-              <a:rPr lang="en-GB" sz="4400" b="0" i="0" u="none" strike="noStrike" cap="none" spc="0">
-                <a:solidFill>
-                  <a:schemeClr val="bg1"/>
-                </a:solidFill>
-                <a:latin typeface="Aptos Display"/>
-                <a:ea typeface="Aptos Display"/>
-                <a:cs typeface="Aptos Display"/>
-              </a:rPr>
-              <a:t> – </a:t>
-            </a:r>
-            <a:r>
               <a:rPr lang="en-US" sz="4400" b="0" i="0" u="none" strike="noStrike" cap="none" spc="0">
                 <a:solidFill>
                   <a:schemeClr val="bg1"/>
@@ -17073,7 +16633,18 @@
                 <a:ea typeface="+mj-ea"/>
                 <a:cs typeface="+mj-cs"/>
               </a:rPr>
-              <a:t>Pit Avoidance By IR Sensors</a:t>
+              <a:t>Pit Avoidance</a:t>
+            </a:r>
+            <a:r>
+              <a:rPr lang="en-US" sz="4400" b="0" i="0" u="none" strike="noStrike" cap="none" spc="0">
+                <a:solidFill>
+                  <a:schemeClr val="bg1"/>
+                </a:solidFill>
+                <a:latin typeface="+mj-lt"/>
+                <a:ea typeface="+mj-ea"/>
+                <a:cs typeface="+mj-cs"/>
+              </a:rPr>
+              <a:t> by IR Sensors</a:t>
             </a:r>
             <a:endParaRPr/>
           </a:p>
@@ -17081,7 +16652,7 @@
       </p:sp>
       <p:sp>
         <p:nvSpPr>
-          <p:cNvPr id="271601083" name="Content Placeholder 2"/>
+          <p:cNvPr id="1204291092" name="Content Placeholder 2"/>
           <p:cNvSpPr>
             <a:spLocks noGrp="1"/>
           </p:cNvSpPr>
@@ -17155,7 +16726,7 @@
       </p:sp>
       <p:pic>
         <p:nvPicPr>
-          <p:cNvPr id="1020392450" name="Picture 3"/>
+          <p:cNvPr id="243635677" name="Picture 3"/>
           <p:cNvPicPr>
             <a:picLocks noChangeAspect="1"/>
           </p:cNvPicPr>
@@ -17177,7 +16748,7 @@
       </p:pic>
       <p:sp>
         <p:nvSpPr>
-          <p:cNvPr id="48370989" name=""/>
+          <p:cNvPr id="1351505516" name=""/>
           <p:cNvSpPr/>
           <p:nvPr/>
         </p:nvSpPr>
@@ -17245,7 +16816,7 @@
       </p:sp>
       <p:pic>
         <p:nvPicPr>
-          <p:cNvPr id="311393292" name=""/>
+          <p:cNvPr id="950171123" name=""/>
           <p:cNvPicPr>
             <a:picLocks noChangeAspect="1"/>
           </p:cNvPicPr>
@@ -17267,7 +16838,7 @@
       </p:pic>
       <p:pic>
         <p:nvPicPr>
-          <p:cNvPr id="1083941985" name=""/>
+          <p:cNvPr id="1494871578" name=""/>
           <p:cNvPicPr>
             <a:picLocks noChangeAspect="1"/>
           </p:cNvPicPr>
@@ -17329,7 +16900,7 @@
       </p:grpSpPr>
       <p:sp>
         <p:nvSpPr>
-          <p:cNvPr id="114329989" name="Title 1"/>
+          <p:cNvPr id="875417545" name="Title 1"/>
           <p:cNvSpPr>
             <a:spLocks noGrp="1"/>
           </p:cNvSpPr>
@@ -17339,7 +16910,7 @@
         </p:nvSpPr>
         <p:spPr bwMode="auto">
           <a:xfrm>
-            <a:off x="579529" y="106968"/>
+            <a:off x="365883" y="42548"/>
             <a:ext cx="10515600" cy="1325561"/>
           </a:xfrm>
         </p:spPr>
@@ -17351,39 +16922,6 @@
               <a:defRPr/>
             </a:pPr>
             <a:r>
-              <a:rPr lang="en-GB" sz="4400" b="0" i="0" u="none" strike="noStrike" cap="none" spc="0">
-                <a:solidFill>
-                  <a:schemeClr val="bg1"/>
-                </a:solidFill>
-                <a:latin typeface="Aptos Display"/>
-                <a:ea typeface="Aptos Display"/>
-                <a:cs typeface="Aptos Display"/>
-              </a:rPr>
-              <a:t>Lab Session </a:t>
-            </a:r>
-            <a:r>
-              <a:rPr lang="en-US" sz="4400" b="0" i="0" u="none" strike="noStrike" cap="none" spc="0">
-                <a:solidFill>
-                  <a:schemeClr val="bg1"/>
-                </a:solidFill>
-                <a:latin typeface="Aptos Display"/>
-                <a:ea typeface="Aptos Display"/>
-                <a:cs typeface="Aptos Display"/>
-              </a:rPr>
-              <a:t>6</a:t>
-            </a:r>
-            <a:r>
-              <a:rPr lang="en-GB" sz="4400" b="0" i="0" u="none" strike="noStrike" cap="none" spc="0">
-                <a:solidFill>
-                  <a:schemeClr val="bg1"/>
-                </a:solidFill>
-                <a:latin typeface="Aptos Display"/>
-                <a:ea typeface="Aptos Display"/>
-                <a:cs typeface="Aptos Display"/>
-              </a:rPr>
-              <a:t> – </a:t>
-            </a:r>
-            <a:r>
               <a:rPr lang="en-US" sz="4400" b="0" i="0" u="none" strike="noStrike" cap="none" spc="0">
                 <a:solidFill>
                   <a:schemeClr val="bg1"/>
@@ -17392,7 +16930,18 @@
                 <a:ea typeface="+mj-ea"/>
                 <a:cs typeface="+mj-cs"/>
               </a:rPr>
-              <a:t>Pit Avoidance By IR Sensors</a:t>
+              <a:t>Pit Avoidance</a:t>
+            </a:r>
+            <a:r>
+              <a:rPr lang="en-US" sz="4400" b="0" i="0" u="none" strike="noStrike" cap="none" spc="0">
+                <a:solidFill>
+                  <a:schemeClr val="bg1"/>
+                </a:solidFill>
+                <a:latin typeface="+mj-lt"/>
+                <a:ea typeface="+mj-ea"/>
+                <a:cs typeface="+mj-cs"/>
+              </a:rPr>
+              <a:t> by IR Sensors</a:t>
             </a:r>
             <a:endParaRPr/>
           </a:p>
@@ -17400,7 +16949,7 @@
       </p:sp>
       <p:sp>
         <p:nvSpPr>
-          <p:cNvPr id="545530540" name="Content Placeholder 2"/>
+          <p:cNvPr id="412131171" name="Content Placeholder 2"/>
           <p:cNvSpPr>
             <a:spLocks noGrp="1"/>
           </p:cNvSpPr>
@@ -17463,7 +17012,7 @@
       </p:sp>
       <p:pic>
         <p:nvPicPr>
-          <p:cNvPr id="1369456950" name="Picture 3"/>
+          <p:cNvPr id="848835688" name="Picture 3"/>
           <p:cNvPicPr>
             <a:picLocks noChangeAspect="1"/>
           </p:cNvPicPr>
@@ -17485,7 +17034,7 @@
       </p:pic>
       <p:graphicFrame>
         <p:nvGraphicFramePr>
-          <p:cNvPr id="1180038254" name=""/>
+          <p:cNvPr id="302666672" name=""/>
           <p:cNvGraphicFramePr>
             <a:graphicFrameLocks xmlns:a="http://schemas.openxmlformats.org/drawingml/2006/main"/>
           </p:cNvGraphicFramePr>
@@ -18245,7 +17794,7 @@
       </p:graphicFrame>
       <p:graphicFrame>
         <p:nvGraphicFramePr>
-          <p:cNvPr id="804912509" name=""/>
+          <p:cNvPr id="990666113" name=""/>
           <p:cNvGraphicFramePr>
             <a:graphicFrameLocks xmlns:a="http://schemas.openxmlformats.org/drawingml/2006/main"/>
           </p:cNvGraphicFramePr>
@@ -18509,7 +18058,7 @@
       </p:grpSpPr>
       <p:sp>
         <p:nvSpPr>
-          <p:cNvPr id="871175357" name="Title 1"/>
+          <p:cNvPr id="1185055042" name="Title 1"/>
           <p:cNvSpPr>
             <a:spLocks noGrp="1"/>
           </p:cNvSpPr>
@@ -18519,7 +18068,7 @@
         </p:nvSpPr>
         <p:spPr bwMode="auto">
           <a:xfrm>
-            <a:off x="295035" y="-82368"/>
+            <a:off x="532221" y="-82367"/>
             <a:ext cx="10515600" cy="1325560"/>
           </a:xfrm>
         </p:spPr>
@@ -18531,48 +18080,26 @@
               <a:defRPr/>
             </a:pPr>
             <a:r>
-              <a:rPr lang="en-GB" sz="4400" b="0" i="0" u="none" strike="noStrike" cap="none" spc="0">
-                <a:solidFill>
-                  <a:schemeClr val="bg1"/>
-                </a:solidFill>
-                <a:latin typeface="Aptos Display"/>
-                <a:ea typeface="Aptos Display"/>
-                <a:cs typeface="Aptos Display"/>
-              </a:rPr>
-              <a:t>Lab Session </a:t>
-            </a:r>
-            <a:r>
               <a:rPr lang="en-US" sz="4400" b="0" i="0" u="none" strike="noStrike" cap="none" spc="0">
                 <a:solidFill>
                   <a:schemeClr val="bg1"/>
                 </a:solidFill>
-                <a:latin typeface="Aptos Display"/>
-                <a:ea typeface="Aptos Display"/>
-                <a:cs typeface="Aptos Display"/>
-              </a:rPr>
-              <a:t>6</a:t>
-            </a:r>
-            <a:r>
-              <a:rPr lang="en-GB" sz="4400" b="0" i="0" u="none" strike="noStrike" cap="none" spc="0">
-                <a:solidFill>
-                  <a:schemeClr val="bg1"/>
-                </a:solidFill>
-                <a:latin typeface="Aptos Display"/>
-                <a:ea typeface="Aptos Display"/>
-                <a:cs typeface="Aptos Display"/>
-              </a:rPr>
-              <a:t> – </a:t>
+                <a:latin typeface="+mj-lt"/>
+                <a:ea typeface="+mj-ea"/>
+                <a:cs typeface="+mj-cs"/>
+              </a:rPr>
+              <a:t>Pit Avoidance</a:t>
             </a:r>
             <a:r>
               <a:rPr lang="en-US" sz="4400" b="0" i="0" u="none" strike="noStrike" cap="none" spc="0">
                 <a:solidFill>
                   <a:schemeClr val="bg1"/>
                 </a:solidFill>
-                <a:latin typeface="Aptos Display"/>
-                <a:ea typeface="Arial"/>
-                <a:cs typeface="Arial"/>
-              </a:rPr>
-              <a:t>Pit Avoidance By IR Sensors</a:t>
+                <a:latin typeface="+mj-lt"/>
+                <a:ea typeface="+mj-ea"/>
+                <a:cs typeface="+mj-cs"/>
+              </a:rPr>
+              <a:t> by IR Sensors</a:t>
             </a:r>
             <a:endParaRPr/>
           </a:p>
@@ -18580,7 +18107,7 @@
       </p:sp>
       <p:sp>
         <p:nvSpPr>
-          <p:cNvPr id="2117167746" name="Content Placeholder 2"/>
+          <p:cNvPr id="1509575185" name="Content Placeholder 2"/>
           <p:cNvSpPr>
             <a:spLocks noGrp="1"/>
           </p:cNvSpPr>
@@ -18645,7 +18172,7 @@
       </p:sp>
       <p:pic>
         <p:nvPicPr>
-          <p:cNvPr id="604254775" name="Picture 3"/>
+          <p:cNvPr id="1448604002" name="Picture 3"/>
           <p:cNvPicPr>
             <a:picLocks noChangeAspect="1"/>
           </p:cNvPicPr>
@@ -18667,7 +18194,7 @@
       </p:pic>
       <p:graphicFrame>
         <p:nvGraphicFramePr>
-          <p:cNvPr id="1550121567" name=""/>
+          <p:cNvPr id="2084162172" name=""/>
           <p:cNvGraphicFramePr>
             <a:graphicFrameLocks xmlns:a="http://schemas.openxmlformats.org/drawingml/2006/main"/>
           </p:cNvGraphicFramePr>
@@ -19184,7 +18711,7 @@
       </p:graphicFrame>
       <p:graphicFrame>
         <p:nvGraphicFramePr>
-          <p:cNvPr id="471814107" name=""/>
+          <p:cNvPr id="1029042889" name=""/>
           <p:cNvGraphicFramePr>
             <a:graphicFrameLocks xmlns:a="http://schemas.openxmlformats.org/drawingml/2006/main"/>
           </p:cNvGraphicFramePr>
@@ -19701,7 +19228,7 @@
       </p:graphicFrame>
       <p:sp>
         <p:nvSpPr>
-          <p:cNvPr id="435942289" name=""/>
+          <p:cNvPr id="1084550196" name=""/>
           <p:cNvSpPr/>
           <p:nvPr/>
         </p:nvSpPr>
@@ -19750,7 +19277,7 @@
       </p:sp>
       <p:graphicFrame>
         <p:nvGraphicFramePr>
-          <p:cNvPr id="1118472616" name=""/>
+          <p:cNvPr id="1974569744" name=""/>
           <p:cNvGraphicFramePr>
             <a:graphicFrameLocks xmlns:a="http://schemas.openxmlformats.org/drawingml/2006/main"/>
           </p:cNvGraphicFramePr>
@@ -20168,7 +19695,7 @@
       </p:graphicFrame>
       <p:sp>
         <p:nvSpPr>
-          <p:cNvPr id="202367455" name=""/>
+          <p:cNvPr id="1313158318" name=""/>
           <p:cNvSpPr txBox="1"/>
           <p:nvPr/>
         </p:nvSpPr>
@@ -20196,7 +19723,7 @@
       </p:sp>
       <p:sp>
         <p:nvSpPr>
-          <p:cNvPr id="1990555413" name=""/>
+          <p:cNvPr id="23909594" name=""/>
           <p:cNvSpPr/>
           <p:nvPr/>
         </p:nvSpPr>
@@ -20243,7 +19770,7 @@
       </p:sp>
       <p:sp>
         <p:nvSpPr>
-          <p:cNvPr id="852196347" name=""/>
+          <p:cNvPr id="1958001221" name=""/>
           <p:cNvSpPr txBox="1"/>
           <p:nvPr/>
         </p:nvSpPr>
@@ -20492,7 +20019,7 @@
       </p:grpSpPr>
       <p:sp>
         <p:nvSpPr>
-          <p:cNvPr id="984820455" name="Title 1"/>
+          <p:cNvPr id="937016744" name="Title 1"/>
           <p:cNvSpPr>
             <a:spLocks noGrp="1"/>
           </p:cNvSpPr>
@@ -20502,7 +20029,7 @@
         </p:nvSpPr>
         <p:spPr bwMode="auto">
           <a:xfrm>
-            <a:off x="295035" y="-82368"/>
+            <a:off x="410759" y="-135779"/>
             <a:ext cx="10515600" cy="1325560"/>
           </a:xfrm>
         </p:spPr>
@@ -20514,48 +20041,26 @@
               <a:defRPr/>
             </a:pPr>
             <a:r>
-              <a:rPr lang="en-GB" sz="4400" b="0" i="0" u="none" strike="noStrike" cap="none" spc="0">
-                <a:solidFill>
-                  <a:schemeClr val="bg1"/>
-                </a:solidFill>
-                <a:latin typeface="Aptos Display"/>
-                <a:ea typeface="Aptos Display"/>
-                <a:cs typeface="Aptos Display"/>
-              </a:rPr>
-              <a:t>Lab Session </a:t>
-            </a:r>
-            <a:r>
               <a:rPr lang="en-US" sz="4400" b="0" i="0" u="none" strike="noStrike" cap="none" spc="0">
                 <a:solidFill>
                   <a:schemeClr val="bg1"/>
                 </a:solidFill>
-                <a:latin typeface="Aptos Display"/>
-                <a:ea typeface="Aptos Display"/>
-                <a:cs typeface="Aptos Display"/>
-              </a:rPr>
-              <a:t>6</a:t>
-            </a:r>
-            <a:r>
-              <a:rPr lang="en-GB" sz="4400" b="0" i="0" u="none" strike="noStrike" cap="none" spc="0">
-                <a:solidFill>
-                  <a:schemeClr val="bg1"/>
-                </a:solidFill>
-                <a:latin typeface="Aptos Display"/>
-                <a:ea typeface="Aptos Display"/>
-                <a:cs typeface="Aptos Display"/>
-              </a:rPr>
-              <a:t> – </a:t>
+                <a:latin typeface="+mj-lt"/>
+                <a:ea typeface="+mj-ea"/>
+                <a:cs typeface="+mj-cs"/>
+              </a:rPr>
+              <a:t>Pit Avoidance</a:t>
             </a:r>
             <a:r>
               <a:rPr lang="en-US" sz="4400" b="0" i="0" u="none" strike="noStrike" cap="none" spc="0">
                 <a:solidFill>
                   <a:schemeClr val="bg1"/>
                 </a:solidFill>
-                <a:latin typeface="Aptos Display"/>
-                <a:ea typeface="Arial"/>
-                <a:cs typeface="Arial"/>
-              </a:rPr>
-              <a:t>Pit Avoidance By IR Sensors</a:t>
+                <a:latin typeface="+mj-lt"/>
+                <a:ea typeface="+mj-ea"/>
+                <a:cs typeface="+mj-cs"/>
+              </a:rPr>
+              <a:t> by IR Sensors</a:t>
             </a:r>
             <a:endParaRPr/>
           </a:p>
@@ -20563,7 +20068,7 @@
       </p:sp>
       <p:sp>
         <p:nvSpPr>
-          <p:cNvPr id="124319166" name="Content Placeholder 2"/>
+          <p:cNvPr id="1363214022" name="Content Placeholder 2"/>
           <p:cNvSpPr>
             <a:spLocks noGrp="1"/>
           </p:cNvSpPr>
@@ -20848,7 +20353,7 @@
       </p:sp>
       <p:pic>
         <p:nvPicPr>
-          <p:cNvPr id="1975262168" name="Picture 3"/>
+          <p:cNvPr id="1140419798" name="Picture 3"/>
           <p:cNvPicPr>
             <a:picLocks noChangeAspect="1"/>
           </p:cNvPicPr>
@@ -20870,7 +20375,7 @@
       </p:pic>
       <p:sp>
         <p:nvSpPr>
-          <p:cNvPr id="24015881" name=""/>
+          <p:cNvPr id="1788552007" name=""/>
           <p:cNvSpPr txBox="1"/>
           <p:nvPr/>
         </p:nvSpPr>
@@ -20938,7 +20443,7 @@
       </p:grpSpPr>
       <p:sp>
         <p:nvSpPr>
-          <p:cNvPr id="1441171325" name="Title 1"/>
+          <p:cNvPr id="765023592" name="Title 1"/>
           <p:cNvSpPr>
             <a:spLocks noGrp="1"/>
           </p:cNvSpPr>
@@ -20960,48 +20465,26 @@
               <a:defRPr/>
             </a:pPr>
             <a:r>
-              <a:rPr lang="en-GB" sz="4400" b="0" i="0" u="none" strike="noStrike" cap="none" spc="0">
-                <a:solidFill>
-                  <a:schemeClr val="bg1"/>
-                </a:solidFill>
-                <a:latin typeface="Aptos Display"/>
-                <a:ea typeface="Aptos Display"/>
-                <a:cs typeface="Aptos Display"/>
-              </a:rPr>
-              <a:t>Lab Session </a:t>
-            </a:r>
-            <a:r>
               <a:rPr lang="en-US" sz="4400" b="0" i="0" u="none" strike="noStrike" cap="none" spc="0">
                 <a:solidFill>
                   <a:schemeClr val="bg1"/>
                 </a:solidFill>
-                <a:latin typeface="Aptos Display"/>
-                <a:ea typeface="Aptos Display"/>
-                <a:cs typeface="Aptos Display"/>
-              </a:rPr>
-              <a:t>6</a:t>
-            </a:r>
-            <a:r>
-              <a:rPr lang="en-GB" sz="4400" b="0" i="0" u="none" strike="noStrike" cap="none" spc="0">
-                <a:solidFill>
-                  <a:schemeClr val="bg1"/>
-                </a:solidFill>
-                <a:latin typeface="Aptos Display"/>
-                <a:ea typeface="Aptos Display"/>
-                <a:cs typeface="Aptos Display"/>
-              </a:rPr>
-              <a:t> – </a:t>
+                <a:latin typeface="+mj-lt"/>
+                <a:ea typeface="+mj-ea"/>
+                <a:cs typeface="+mj-cs"/>
+              </a:rPr>
+              <a:t>Pit Avoidance</a:t>
             </a:r>
             <a:r>
               <a:rPr lang="en-US" sz="4400" b="0" i="0" u="none" strike="noStrike" cap="none" spc="0">
                 <a:solidFill>
                   <a:schemeClr val="bg1"/>
                 </a:solidFill>
-                <a:latin typeface="Aptos Display"/>
-                <a:ea typeface="Arial"/>
-                <a:cs typeface="Arial"/>
-              </a:rPr>
-              <a:t>Pit Avoidance By IR Sensors</a:t>
+                <a:latin typeface="+mj-lt"/>
+                <a:ea typeface="+mj-ea"/>
+                <a:cs typeface="+mj-cs"/>
+              </a:rPr>
+              <a:t> by IR Sensors</a:t>
             </a:r>
             <a:endParaRPr/>
           </a:p>
@@ -21009,7 +20492,7 @@
       </p:sp>
       <p:sp>
         <p:nvSpPr>
-          <p:cNvPr id="2093312937" name="Content Placeholder 2"/>
+          <p:cNvPr id="1174872761" name="Content Placeholder 2"/>
           <p:cNvSpPr>
             <a:spLocks noGrp="1"/>
           </p:cNvSpPr>
@@ -21522,7 +21005,7 @@
       </p:sp>
       <p:pic>
         <p:nvPicPr>
-          <p:cNvPr id="45861041" name="Picture 3"/>
+          <p:cNvPr id="1172801497" name="Picture 3"/>
           <p:cNvPicPr>
             <a:picLocks noChangeAspect="1"/>
           </p:cNvPicPr>
@@ -21544,7 +21027,7 @@
       </p:pic>
       <p:sp>
         <p:nvSpPr>
-          <p:cNvPr id="377749975" name=""/>
+          <p:cNvPr id="280880173" name=""/>
           <p:cNvSpPr txBox="1"/>
           <p:nvPr/>
         </p:nvSpPr>
@@ -21612,7 +21095,7 @@
       </p:grpSpPr>
       <p:sp>
         <p:nvSpPr>
-          <p:cNvPr id="1285631807" name="Title 1"/>
+          <p:cNvPr id="132940690" name="Title 1"/>
           <p:cNvSpPr>
             <a:spLocks noGrp="1"/>
           </p:cNvSpPr>
@@ -21634,48 +21117,26 @@
               <a:defRPr/>
             </a:pPr>
             <a:r>
-              <a:rPr lang="en-GB" sz="4400" b="0" i="0" u="none" strike="noStrike" cap="none" spc="0">
-                <a:solidFill>
-                  <a:schemeClr val="bg1"/>
-                </a:solidFill>
-                <a:latin typeface="Aptos Display"/>
-                <a:ea typeface="Aptos Display"/>
-                <a:cs typeface="Aptos Display"/>
-              </a:rPr>
-              <a:t>Lab Session </a:t>
-            </a:r>
-            <a:r>
               <a:rPr lang="en-US" sz="4400" b="0" i="0" u="none" strike="noStrike" cap="none" spc="0">
                 <a:solidFill>
                   <a:schemeClr val="bg1"/>
                 </a:solidFill>
-                <a:latin typeface="Aptos Display"/>
-                <a:ea typeface="Aptos Display"/>
-                <a:cs typeface="Aptos Display"/>
-              </a:rPr>
-              <a:t>6</a:t>
-            </a:r>
-            <a:r>
-              <a:rPr lang="en-GB" sz="4400" b="0" i="0" u="none" strike="noStrike" cap="none" spc="0">
-                <a:solidFill>
-                  <a:schemeClr val="bg1"/>
-                </a:solidFill>
-                <a:latin typeface="Aptos Display"/>
-                <a:ea typeface="Aptos Display"/>
-                <a:cs typeface="Aptos Display"/>
-              </a:rPr>
-              <a:t> – </a:t>
+                <a:latin typeface="+mj-lt"/>
+                <a:ea typeface="+mj-ea"/>
+                <a:cs typeface="+mj-cs"/>
+              </a:rPr>
+              <a:t>Pit Avoidance</a:t>
             </a:r>
             <a:r>
               <a:rPr lang="en-US" sz="4400" b="0" i="0" u="none" strike="noStrike" cap="none" spc="0">
                 <a:solidFill>
                   <a:schemeClr val="bg1"/>
                 </a:solidFill>
-                <a:latin typeface="Aptos Display"/>
-                <a:ea typeface="Arial"/>
-                <a:cs typeface="Arial"/>
-              </a:rPr>
-              <a:t>Pit Avoidance By IR Sensors</a:t>
+                <a:latin typeface="+mj-lt"/>
+                <a:ea typeface="+mj-ea"/>
+                <a:cs typeface="+mj-cs"/>
+              </a:rPr>
+              <a:t> by IR Sensors</a:t>
             </a:r>
             <a:endParaRPr/>
           </a:p>
@@ -21683,7 +21144,7 @@
       </p:sp>
       <p:sp>
         <p:nvSpPr>
-          <p:cNvPr id="1581448304" name="Content Placeholder 2"/>
+          <p:cNvPr id="539059234" name="Content Placeholder 2"/>
           <p:cNvSpPr>
             <a:spLocks noGrp="1"/>
           </p:cNvSpPr>
@@ -21894,7 +21355,7 @@
       </p:sp>
       <p:pic>
         <p:nvPicPr>
-          <p:cNvPr id="777801274" name="Picture 3"/>
+          <p:cNvPr id="1215452281" name="Picture 3"/>
           <p:cNvPicPr>
             <a:picLocks noChangeAspect="1"/>
           </p:cNvPicPr>
@@ -21916,7 +21377,7 @@
       </p:pic>
       <p:sp>
         <p:nvSpPr>
-          <p:cNvPr id="1265362095" name=""/>
+          <p:cNvPr id="877110906" name=""/>
           <p:cNvSpPr txBox="1"/>
           <p:nvPr/>
         </p:nvSpPr>
